--- a/2019/II.  React/2.3 Props, State/Презентация 2.3 Props, State.pptx
+++ b/2019/II.  React/2.3 Props, State/Презентация 2.3 Props, State.pptx
@@ -6,24 +6,26 @@
     <p:sldMasterId id="2147483668" r:id="rId2"/>
   </p:sldMasterIdLst>
   <p:notesMasterIdLst>
-    <p:notesMasterId r:id="rId10"/>
+    <p:notesMasterId r:id="rId12"/>
   </p:notesMasterIdLst>
   <p:sldIdLst>
     <p:sldId id="256" r:id="rId3"/>
     <p:sldId id="257" r:id="rId4"/>
-    <p:sldId id="276" r:id="rId5"/>
-    <p:sldId id="277" r:id="rId6"/>
-    <p:sldId id="271" r:id="rId7"/>
-    <p:sldId id="275" r:id="rId8"/>
-    <p:sldId id="268" r:id="rId9"/>
+    <p:sldId id="278" r:id="rId5"/>
+    <p:sldId id="279" r:id="rId6"/>
+    <p:sldId id="276" r:id="rId7"/>
+    <p:sldId id="277" r:id="rId8"/>
+    <p:sldId id="271" r:id="rId9"/>
+    <p:sldId id="275" r:id="rId10"/>
+    <p:sldId id="268" r:id="rId11"/>
   </p:sldIdLst>
   <p:sldSz cx="9144000" cy="5143500" type="screen16x9"/>
   <p:notesSz cx="6858000" cy="9144000"/>
   <p:embeddedFontLst>
     <p:embeddedFont>
       <p:font typeface="Tahoma" panose="020B0604030504040204" pitchFamily="34" charset="0"/>
-      <p:regular r:id="rId11"/>
-      <p:bold r:id="rId12"/>
+      <p:regular r:id="rId13"/>
+      <p:bold r:id="rId14"/>
     </p:embeddedFont>
   </p:embeddedFontLst>
   <p:defaultTextStyle>
@@ -1038,6 +1040,224 @@
     </p:spTree>
     <p:extLst>
       <p:ext uri="{BB962C8B-B14F-4D97-AF65-F5344CB8AC3E}">
+        <p14:creationId xmlns:p14="http://schemas.microsoft.com/office/powerpoint/2010/main" val="2461893966"/>
+      </p:ext>
+    </p:extLst>
+  </p:cSld>
+  <p:clrMapOvr>
+    <a:masterClrMapping/>
+  </p:clrMapOvr>
+</p:notes>
+</file>
+
+<file path=ppt/notesSlides/notesSlide4.xml><?xml version="1.0" encoding="utf-8"?>
+<p:notes xmlns:a="http://schemas.openxmlformats.org/drawingml/2006/main" xmlns:r="http://schemas.openxmlformats.org/officeDocument/2006/relationships" xmlns:p="http://schemas.openxmlformats.org/presentationml/2006/main" showMasterSp="0" showMasterPhAnim="0">
+  <p:cSld>
+    <p:spTree>
+      <p:nvGrpSpPr>
+        <p:cNvPr id="1" name="Shape 94"/>
+        <p:cNvGrpSpPr/>
+        <p:nvPr/>
+      </p:nvGrpSpPr>
+      <p:grpSpPr>
+        <a:xfrm>
+          <a:off x="0" y="0"/>
+          <a:ext cx="0" cy="0"/>
+          <a:chOff x="0" y="0"/>
+          <a:chExt cx="0" cy="0"/>
+        </a:xfrm>
+      </p:grpSpPr>
+      <p:sp>
+        <p:nvSpPr>
+          <p:cNvPr id="95" name="Google Shape;95;g582beb433c_0_44:notes"/>
+          <p:cNvSpPr txBox="1">
+            <a:spLocks noGrp="1"/>
+          </p:cNvSpPr>
+          <p:nvPr>
+            <p:ph type="body" idx="1"/>
+          </p:nvPr>
+        </p:nvSpPr>
+        <p:spPr>
+          <a:xfrm>
+            <a:off x="685800" y="4343400"/>
+            <a:ext cx="5486400" cy="4114800"/>
+          </a:xfrm>
+          <a:prstGeom prst="rect">
+            <a:avLst/>
+          </a:prstGeom>
+        </p:spPr>
+        <p:txBody>
+          <a:bodyPr spcFirstLastPara="1" wrap="square" lIns="91425" tIns="91425" rIns="91425" bIns="91425" anchor="t" anchorCtr="0">
+            <a:noAutofit/>
+          </a:bodyPr>
+          <a:lstStyle/>
+          <a:p>
+            <a:pPr marL="0" lvl="0" indent="0" algn="l" rtl="0">
+              <a:spcBef>
+                <a:spcPts val="0"/>
+              </a:spcBef>
+              <a:spcAft>
+                <a:spcPts val="0"/>
+              </a:spcAft>
+              <a:buNone/>
+            </a:pPr>
+            <a:endParaRPr/>
+          </a:p>
+        </p:txBody>
+      </p:sp>
+      <p:sp>
+        <p:nvSpPr>
+          <p:cNvPr id="96" name="Google Shape;96;g582beb433c_0_44:notes"/>
+          <p:cNvSpPr>
+            <a:spLocks noGrp="1" noRot="1" noChangeAspect="1"/>
+          </p:cNvSpPr>
+          <p:nvPr>
+            <p:ph type="sldImg" idx="2"/>
+          </p:nvPr>
+        </p:nvSpPr>
+        <p:spPr>
+          <a:xfrm>
+            <a:off x="381000" y="685800"/>
+            <a:ext cx="6096000" cy="3429000"/>
+          </a:xfrm>
+          <a:custGeom>
+            <a:avLst/>
+            <a:gdLst/>
+            <a:ahLst/>
+            <a:cxnLst/>
+            <a:rect l="l" t="t" r="r" b="b"/>
+            <a:pathLst>
+              <a:path w="120000" h="120000" extrusionOk="0">
+                <a:moveTo>
+                  <a:pt x="0" y="0"/>
+                </a:moveTo>
+                <a:lnTo>
+                  <a:pt x="120000" y="0"/>
+                </a:lnTo>
+                <a:lnTo>
+                  <a:pt x="120000" y="120000"/>
+                </a:lnTo>
+                <a:lnTo>
+                  <a:pt x="0" y="120000"/>
+                </a:lnTo>
+                <a:close/>
+              </a:path>
+            </a:pathLst>
+          </a:custGeom>
+        </p:spPr>
+      </p:sp>
+    </p:spTree>
+    <p:extLst>
+      <p:ext uri="{BB962C8B-B14F-4D97-AF65-F5344CB8AC3E}">
+        <p14:creationId xmlns:p14="http://schemas.microsoft.com/office/powerpoint/2010/main" val="2804297776"/>
+      </p:ext>
+    </p:extLst>
+  </p:cSld>
+  <p:clrMapOvr>
+    <a:masterClrMapping/>
+  </p:clrMapOvr>
+</p:notes>
+</file>
+
+<file path=ppt/notesSlides/notesSlide5.xml><?xml version="1.0" encoding="utf-8"?>
+<p:notes xmlns:a="http://schemas.openxmlformats.org/drawingml/2006/main" xmlns:r="http://schemas.openxmlformats.org/officeDocument/2006/relationships" xmlns:p="http://schemas.openxmlformats.org/presentationml/2006/main" showMasterSp="0" showMasterPhAnim="0">
+  <p:cSld>
+    <p:spTree>
+      <p:nvGrpSpPr>
+        <p:cNvPr id="1" name="Shape 94"/>
+        <p:cNvGrpSpPr/>
+        <p:nvPr/>
+      </p:nvGrpSpPr>
+      <p:grpSpPr>
+        <a:xfrm>
+          <a:off x="0" y="0"/>
+          <a:ext cx="0" cy="0"/>
+          <a:chOff x="0" y="0"/>
+          <a:chExt cx="0" cy="0"/>
+        </a:xfrm>
+      </p:grpSpPr>
+      <p:sp>
+        <p:nvSpPr>
+          <p:cNvPr id="95" name="Google Shape;95;g582beb433c_0_44:notes"/>
+          <p:cNvSpPr txBox="1">
+            <a:spLocks noGrp="1"/>
+          </p:cNvSpPr>
+          <p:nvPr>
+            <p:ph type="body" idx="1"/>
+          </p:nvPr>
+        </p:nvSpPr>
+        <p:spPr>
+          <a:xfrm>
+            <a:off x="685800" y="4343400"/>
+            <a:ext cx="5486400" cy="4114800"/>
+          </a:xfrm>
+          <a:prstGeom prst="rect">
+            <a:avLst/>
+          </a:prstGeom>
+        </p:spPr>
+        <p:txBody>
+          <a:bodyPr spcFirstLastPara="1" wrap="square" lIns="91425" tIns="91425" rIns="91425" bIns="91425" anchor="t" anchorCtr="0">
+            <a:noAutofit/>
+          </a:bodyPr>
+          <a:lstStyle/>
+          <a:p>
+            <a:pPr marL="0" lvl="0" indent="0" algn="l" rtl="0">
+              <a:spcBef>
+                <a:spcPts val="0"/>
+              </a:spcBef>
+              <a:spcAft>
+                <a:spcPts val="0"/>
+              </a:spcAft>
+              <a:buNone/>
+            </a:pPr>
+            <a:endParaRPr/>
+          </a:p>
+        </p:txBody>
+      </p:sp>
+      <p:sp>
+        <p:nvSpPr>
+          <p:cNvPr id="96" name="Google Shape;96;g582beb433c_0_44:notes"/>
+          <p:cNvSpPr>
+            <a:spLocks noGrp="1" noRot="1" noChangeAspect="1"/>
+          </p:cNvSpPr>
+          <p:nvPr>
+            <p:ph type="sldImg" idx="2"/>
+          </p:nvPr>
+        </p:nvSpPr>
+        <p:spPr>
+          <a:xfrm>
+            <a:off x="381000" y="685800"/>
+            <a:ext cx="6096000" cy="3429000"/>
+          </a:xfrm>
+          <a:custGeom>
+            <a:avLst/>
+            <a:gdLst/>
+            <a:ahLst/>
+            <a:cxnLst/>
+            <a:rect l="l" t="t" r="r" b="b"/>
+            <a:pathLst>
+              <a:path w="120000" h="120000" extrusionOk="0">
+                <a:moveTo>
+                  <a:pt x="0" y="0"/>
+                </a:moveTo>
+                <a:lnTo>
+                  <a:pt x="120000" y="0"/>
+                </a:lnTo>
+                <a:lnTo>
+                  <a:pt x="120000" y="120000"/>
+                </a:lnTo>
+                <a:lnTo>
+                  <a:pt x="0" y="120000"/>
+                </a:lnTo>
+                <a:close/>
+              </a:path>
+            </a:pathLst>
+          </a:custGeom>
+        </p:spPr>
+      </p:sp>
+    </p:spTree>
+    <p:extLst>
+      <p:ext uri="{BB962C8B-B14F-4D97-AF65-F5344CB8AC3E}">
         <p14:creationId xmlns:p14="http://schemas.microsoft.com/office/powerpoint/2010/main" val="141708588"/>
       </p:ext>
     </p:extLst>
@@ -1048,7 +1268,7 @@
 </p:notes>
 </file>
 
-<file path=ppt/notesSlides/notesSlide4.xml><?xml version="1.0" encoding="utf-8"?>
+<file path=ppt/notesSlides/notesSlide6.xml><?xml version="1.0" encoding="utf-8"?>
 <p:notes xmlns:a="http://schemas.openxmlformats.org/drawingml/2006/main" xmlns:r="http://schemas.openxmlformats.org/officeDocument/2006/relationships" xmlns:p="http://schemas.openxmlformats.org/presentationml/2006/main" showMasterSp="0" showMasterPhAnim="0">
   <p:cSld>
     <p:spTree>
@@ -1157,7 +1377,7 @@
 </p:notes>
 </file>
 
-<file path=ppt/notesSlides/notesSlide5.xml><?xml version="1.0" encoding="utf-8"?>
+<file path=ppt/notesSlides/notesSlide7.xml><?xml version="1.0" encoding="utf-8"?>
 <p:notes xmlns:a="http://schemas.openxmlformats.org/drawingml/2006/main" xmlns:r="http://schemas.openxmlformats.org/officeDocument/2006/relationships" xmlns:p="http://schemas.openxmlformats.org/presentationml/2006/main" showMasterSp="0" showMasterPhAnim="0">
   <p:cSld>
     <p:spTree>
@@ -1284,7 +1504,7 @@
 </p:notes>
 </file>
 
-<file path=ppt/notesSlides/notesSlide6.xml><?xml version="1.0" encoding="utf-8"?>
+<file path=ppt/notesSlides/notesSlide8.xml><?xml version="1.0" encoding="utf-8"?>
 <p:notes xmlns:a="http://schemas.openxmlformats.org/drawingml/2006/main" xmlns:r="http://schemas.openxmlformats.org/officeDocument/2006/relationships" xmlns:p="http://schemas.openxmlformats.org/presentationml/2006/main" showMasterSp="0" showMasterPhAnim="0">
   <p:cSld>
     <p:spTree>
@@ -1411,7 +1631,7 @@
 </p:notes>
 </file>
 
-<file path=ppt/notesSlides/notesSlide7.xml><?xml version="1.0" encoding="utf-8"?>
+<file path=ppt/notesSlides/notesSlide9.xml><?xml version="1.0" encoding="utf-8"?>
 <p:notes xmlns:a="http://schemas.openxmlformats.org/drawingml/2006/main" xmlns:r="http://schemas.openxmlformats.org/officeDocument/2006/relationships" xmlns:p="http://schemas.openxmlformats.org/presentationml/2006/main" showMasterSp="0" showMasterPhAnim="0">
   <p:cSld>
     <p:spTree>
@@ -12572,7 +12792,7 @@
         </p:nvSpPr>
         <p:spPr>
           <a:xfrm>
-            <a:off x="198600" y="486350"/>
+            <a:off x="198600" y="443417"/>
             <a:ext cx="4696200" cy="726000"/>
           </a:xfrm>
           <a:prstGeom prst="rect">
@@ -12618,7 +12838,74 @@
               </a:rPr>
               <a:t>React</a:t>
             </a:r>
-            <a:endParaRPr sz="2400" b="0" i="0" u="none" strike="noStrike" cap="none" dirty="0">
+          </a:p>
+          <a:p>
+            <a:pPr marL="0" marR="0" lvl="0" indent="0" algn="ctr" rtl="0">
+              <a:lnSpc>
+                <a:spcPct val="100000"/>
+              </a:lnSpc>
+              <a:spcBef>
+                <a:spcPts val="0"/>
+              </a:spcBef>
+              <a:spcAft>
+                <a:spcPts val="0"/>
+              </a:spcAft>
+              <a:buClr>
+                <a:srgbClr val="000000"/>
+              </a:buClr>
+              <a:buSzPts val="1800"/>
+              <a:buFont typeface="Arial"/>
+              <a:buNone/>
+            </a:pPr>
+            <a:r>
+              <a:rPr lang="ru-RU" sz="1200" b="0" i="0" u="none" strike="noStrike" cap="none" dirty="0">
+                <a:solidFill>
+                  <a:srgbClr val="FFFFFF"/>
+                </a:solidFill>
+                <a:latin typeface="Tahoma"/>
+                <a:ea typeface="Tahoma"/>
+                <a:cs typeface="Tahoma"/>
+                <a:sym typeface="Tahoma"/>
+              </a:rPr>
+              <a:t>Структура, </a:t>
+            </a:r>
+            <a:r>
+              <a:rPr lang="en-US" sz="1200" b="0" i="0" u="none" strike="noStrike" cap="none" dirty="0">
+                <a:solidFill>
+                  <a:srgbClr val="FFFFFF"/>
+                </a:solidFill>
+                <a:latin typeface="Tahoma"/>
+                <a:ea typeface="Tahoma"/>
+                <a:cs typeface="Tahoma"/>
+                <a:sym typeface="Tahoma"/>
+              </a:rPr>
+              <a:t>props</a:t>
+            </a:r>
+            <a:r>
+              <a:rPr lang="ru-RU" sz="1200" b="0" i="0" u="none" strike="noStrike" cap="none" dirty="0">
+                <a:solidFill>
+                  <a:srgbClr val="FFFFFF"/>
+                </a:solidFill>
+                <a:latin typeface="Tahoma"/>
+                <a:ea typeface="Tahoma"/>
+                <a:cs typeface="Tahoma"/>
+                <a:sym typeface="Tahoma"/>
+              </a:rPr>
+              <a:t>,</a:t>
+            </a:r>
+            <a:r>
+              <a:rPr lang="en-US" sz="1200" b="0" i="0" u="none" strike="noStrike" cap="none" dirty="0">
+                <a:solidFill>
+                  <a:srgbClr val="FFFFFF"/>
+                </a:solidFill>
+                <a:latin typeface="Tahoma"/>
+                <a:ea typeface="Tahoma"/>
+                <a:cs typeface="Tahoma"/>
+                <a:sym typeface="Tahoma"/>
+              </a:rPr>
+              <a:t> state</a:t>
+            </a:r>
+            <a:endParaRPr sz="1200" b="0" i="0" u="none" strike="noStrike" cap="none" dirty="0">
               <a:solidFill>
                 <a:srgbClr val="FFFFFF"/>
               </a:solidFill>
@@ -13276,6 +13563,750 @@
         </p:nvSpPr>
         <p:spPr>
           <a:xfrm>
+            <a:off x="294608" y="954334"/>
+            <a:ext cx="4875900" cy="3882586"/>
+          </a:xfrm>
+          <a:prstGeom prst="rect">
+            <a:avLst/>
+          </a:prstGeom>
+          <a:noFill/>
+          <a:ln>
+            <a:noFill/>
+          </a:ln>
+        </p:spPr>
+        <p:txBody>
+          <a:bodyPr spcFirstLastPara="1" wrap="square" lIns="91425" tIns="91425" rIns="91425" bIns="91425" anchor="t" anchorCtr="0">
+            <a:noAutofit/>
+          </a:bodyPr>
+          <a:lstStyle/>
+          <a:p>
+            <a:pPr marL="139700" indent="0">
+              <a:lnSpc>
+                <a:spcPct val="150000"/>
+              </a:lnSpc>
+              <a:buNone/>
+            </a:pPr>
+            <a:r>
+              <a:rPr lang="ru-RU" sz="1800" b="1" dirty="0">
+                <a:solidFill>
+                  <a:srgbClr val="662483"/>
+                </a:solidFill>
+                <a:latin typeface="Tahoma"/>
+                <a:ea typeface="Tahoma"/>
+                <a:cs typeface="Tahoma"/>
+                <a:sym typeface="Tahoma"/>
+              </a:rPr>
+              <a:t>План лекции</a:t>
+            </a:r>
+            <a:r>
+              <a:rPr lang="ru" sz="1800" b="1" dirty="0">
+                <a:solidFill>
+                  <a:srgbClr val="662483"/>
+                </a:solidFill>
+                <a:latin typeface="Tahoma"/>
+                <a:ea typeface="Tahoma"/>
+                <a:cs typeface="Tahoma"/>
+                <a:sym typeface="Tahoma"/>
+              </a:rPr>
+              <a:t> </a:t>
+            </a:r>
+          </a:p>
+          <a:p>
+            <a:pPr lvl="0">
+              <a:lnSpc>
+                <a:spcPct val="150000"/>
+              </a:lnSpc>
+              <a:buClr>
+                <a:srgbClr val="000000"/>
+              </a:buClr>
+              <a:buFont typeface="Tahoma"/>
+              <a:buChar char="●"/>
+            </a:pPr>
+            <a:r>
+              <a:rPr lang="ru-RU" dirty="0">
+                <a:solidFill>
+                  <a:schemeClr val="dk1"/>
+                </a:solidFill>
+                <a:latin typeface="Tahoma"/>
+                <a:ea typeface="Tahoma"/>
+                <a:cs typeface="Tahoma"/>
+                <a:sym typeface="Tahoma"/>
+              </a:rPr>
+              <a:t>Структура проекта</a:t>
+            </a:r>
+          </a:p>
+          <a:p>
+            <a:pPr>
+              <a:lnSpc>
+                <a:spcPct val="150000"/>
+              </a:lnSpc>
+              <a:buClr>
+                <a:srgbClr val="000000"/>
+              </a:buClr>
+              <a:buFont typeface="Tahoma"/>
+              <a:buChar char="●"/>
+            </a:pPr>
+            <a:r>
+              <a:rPr lang="en-US" dirty="0">
+                <a:solidFill>
+                  <a:schemeClr val="dk1"/>
+                </a:solidFill>
+                <a:latin typeface="Tahoma"/>
+                <a:ea typeface="Tahoma"/>
+                <a:cs typeface="Tahoma"/>
+                <a:sym typeface="Tahoma"/>
+              </a:rPr>
+              <a:t>State</a:t>
+            </a:r>
+          </a:p>
+          <a:p>
+            <a:pPr lvl="0">
+              <a:lnSpc>
+                <a:spcPct val="150000"/>
+              </a:lnSpc>
+              <a:buClr>
+                <a:srgbClr val="000000"/>
+              </a:buClr>
+              <a:buFont typeface="Tahoma"/>
+              <a:buChar char="●"/>
+            </a:pPr>
+            <a:r>
+              <a:rPr lang="en-US" dirty="0">
+                <a:solidFill>
+                  <a:schemeClr val="dk1"/>
+                </a:solidFill>
+                <a:latin typeface="Tahoma"/>
+                <a:ea typeface="Tahoma"/>
+                <a:cs typeface="Tahoma"/>
+                <a:sym typeface="Tahoma"/>
+              </a:rPr>
+              <a:t>Props</a:t>
+            </a:r>
+            <a:endParaRPr lang="en-US" dirty="0">
+              <a:solidFill>
+                <a:srgbClr val="000000"/>
+              </a:solidFill>
+              <a:latin typeface="Tahoma"/>
+              <a:ea typeface="Tahoma"/>
+              <a:cs typeface="Tahoma"/>
+              <a:sym typeface="Tahoma"/>
+            </a:endParaRPr>
+          </a:p>
+        </p:txBody>
+      </p:sp>
+      <p:grpSp>
+        <p:nvGrpSpPr>
+          <p:cNvPr id="99" name="Google Shape;99;p23"/>
+          <p:cNvGrpSpPr/>
+          <p:nvPr/>
+        </p:nvGrpSpPr>
+        <p:grpSpPr>
+          <a:xfrm>
+            <a:off x="0" y="0"/>
+            <a:ext cx="9144000" cy="633000"/>
+            <a:chOff x="125" y="215925"/>
+            <a:chExt cx="9144000" cy="633000"/>
+          </a:xfrm>
+        </p:grpSpPr>
+        <p:sp>
+          <p:nvSpPr>
+            <p:cNvPr id="100" name="Google Shape;100;p23"/>
+            <p:cNvSpPr/>
+            <p:nvPr/>
+          </p:nvSpPr>
+          <p:spPr>
+            <a:xfrm>
+              <a:off x="125" y="215925"/>
+              <a:ext cx="9144000" cy="633000"/>
+            </a:xfrm>
+            <a:prstGeom prst="rect">
+              <a:avLst/>
+            </a:prstGeom>
+            <a:solidFill>
+              <a:srgbClr val="88AF43"/>
+            </a:solidFill>
+            <a:ln w="9525" cap="flat" cmpd="sng">
+              <a:solidFill>
+                <a:srgbClr val="88AF43"/>
+              </a:solidFill>
+              <a:prstDash val="solid"/>
+              <a:round/>
+              <a:headEnd type="none" w="sm" len="sm"/>
+              <a:tailEnd type="none" w="sm" len="sm"/>
+            </a:ln>
+          </p:spPr>
+          <p:txBody>
+            <a:bodyPr spcFirstLastPara="1" wrap="square" lIns="91425" tIns="91425" rIns="91425" bIns="91425" anchor="ctr" anchorCtr="0">
+              <a:noAutofit/>
+            </a:bodyPr>
+            <a:lstStyle/>
+            <a:p>
+              <a:pPr marL="0" marR="0" lvl="0" indent="0" algn="l" rtl="0">
+                <a:lnSpc>
+                  <a:spcPct val="100000"/>
+                </a:lnSpc>
+                <a:spcBef>
+                  <a:spcPts val="0"/>
+                </a:spcBef>
+                <a:spcAft>
+                  <a:spcPts val="0"/>
+                </a:spcAft>
+                <a:buClr>
+                  <a:srgbClr val="000000"/>
+                </a:buClr>
+                <a:buSzPts val="1400"/>
+                <a:buFont typeface="Arial"/>
+                <a:buNone/>
+              </a:pPr>
+              <a:endParaRPr sz="1400" b="0" i="0" u="none" strike="noStrike" cap="none">
+                <a:solidFill>
+                  <a:srgbClr val="000000"/>
+                </a:solidFill>
+                <a:latin typeface="Arial"/>
+                <a:ea typeface="Arial"/>
+                <a:cs typeface="Arial"/>
+                <a:sym typeface="Arial"/>
+              </a:endParaRPr>
+            </a:p>
+          </p:txBody>
+        </p:sp>
+        <p:sp>
+          <p:nvSpPr>
+            <p:cNvPr id="101" name="Google Shape;101;p23"/>
+            <p:cNvSpPr txBox="1"/>
+            <p:nvPr/>
+          </p:nvSpPr>
+          <p:spPr>
+            <a:xfrm>
+              <a:off x="181650" y="285825"/>
+              <a:ext cx="5786400" cy="493200"/>
+            </a:xfrm>
+            <a:prstGeom prst="rect">
+              <a:avLst/>
+            </a:prstGeom>
+            <a:noFill/>
+            <a:ln>
+              <a:noFill/>
+            </a:ln>
+          </p:spPr>
+          <p:txBody>
+            <a:bodyPr spcFirstLastPara="1" wrap="square" lIns="91425" tIns="91425" rIns="91425" bIns="91425" anchor="t" anchorCtr="0">
+              <a:noAutofit/>
+            </a:bodyPr>
+            <a:lstStyle/>
+            <a:p>
+              <a:pPr marL="0" marR="0" lvl="0" indent="0" algn="l" rtl="0">
+                <a:lnSpc>
+                  <a:spcPct val="100000"/>
+                </a:lnSpc>
+                <a:spcBef>
+                  <a:spcPts val="0"/>
+                </a:spcBef>
+                <a:spcAft>
+                  <a:spcPts val="0"/>
+                </a:spcAft>
+                <a:buClr>
+                  <a:srgbClr val="000000"/>
+                </a:buClr>
+                <a:buSzPts val="2000"/>
+                <a:buFont typeface="Arial"/>
+                <a:buNone/>
+              </a:pPr>
+              <a:r>
+                <a:rPr lang="ru-RU" sz="2000" b="0" i="0" u="none" strike="noStrike" cap="none" dirty="0">
+                  <a:solidFill>
+                    <a:srgbClr val="FFFFFF"/>
+                  </a:solidFill>
+                  <a:latin typeface="Tahoma"/>
+                  <a:ea typeface="Tahoma"/>
+                  <a:cs typeface="Tahoma"/>
+                  <a:sym typeface="Tahoma"/>
+                </a:rPr>
+                <a:t>План лекции</a:t>
+              </a:r>
+              <a:endParaRPr sz="2000" b="0" i="0" u="none" strike="noStrike" cap="none" dirty="0">
+                <a:solidFill>
+                  <a:srgbClr val="FFFFFF"/>
+                </a:solidFill>
+                <a:latin typeface="Tahoma"/>
+                <a:ea typeface="Tahoma"/>
+                <a:cs typeface="Tahoma"/>
+                <a:sym typeface="Tahoma"/>
+              </a:endParaRPr>
+            </a:p>
+          </p:txBody>
+        </p:sp>
+      </p:grpSp>
+      <p:sp>
+        <p:nvSpPr>
+          <p:cNvPr id="102" name="Google Shape;102;p23"/>
+          <p:cNvSpPr/>
+          <p:nvPr/>
+        </p:nvSpPr>
+        <p:spPr>
+          <a:xfrm>
+            <a:off x="0" y="5038200"/>
+            <a:ext cx="9144000" cy="105300"/>
+          </a:xfrm>
+          <a:prstGeom prst="rect">
+            <a:avLst/>
+          </a:prstGeom>
+          <a:solidFill>
+            <a:srgbClr val="662483"/>
+          </a:solidFill>
+          <a:ln>
+            <a:noFill/>
+          </a:ln>
+        </p:spPr>
+        <p:txBody>
+          <a:bodyPr spcFirstLastPara="1" wrap="square" lIns="91425" tIns="91425" rIns="91425" bIns="91425" anchor="ctr" anchorCtr="0">
+            <a:noAutofit/>
+          </a:bodyPr>
+          <a:lstStyle/>
+          <a:p>
+            <a:pPr marL="0" marR="0" lvl="0" indent="0" algn="l" rtl="0">
+              <a:lnSpc>
+                <a:spcPct val="100000"/>
+              </a:lnSpc>
+              <a:spcBef>
+                <a:spcPts val="0"/>
+              </a:spcBef>
+              <a:spcAft>
+                <a:spcPts val="0"/>
+              </a:spcAft>
+              <a:buClr>
+                <a:srgbClr val="000000"/>
+              </a:buClr>
+              <a:buSzPts val="1400"/>
+              <a:buFont typeface="Arial"/>
+              <a:buNone/>
+            </a:pPr>
+            <a:endParaRPr sz="1400" b="0" i="0" u="none" strike="noStrike" cap="none">
+              <a:solidFill>
+                <a:srgbClr val="000000"/>
+              </a:solidFill>
+              <a:latin typeface="Arial"/>
+              <a:ea typeface="Arial"/>
+              <a:cs typeface="Arial"/>
+              <a:sym typeface="Arial"/>
+            </a:endParaRPr>
+          </a:p>
+        </p:txBody>
+      </p:sp>
+    </p:spTree>
+    <p:extLst>
+      <p:ext uri="{BB962C8B-B14F-4D97-AF65-F5344CB8AC3E}">
+        <p14:creationId xmlns:p14="http://schemas.microsoft.com/office/powerpoint/2010/main" val="204229876"/>
+      </p:ext>
+    </p:extLst>
+  </p:cSld>
+  <p:clrMapOvr>
+    <a:masterClrMapping/>
+  </p:clrMapOvr>
+</p:sld>
+</file>
+
+<file path=ppt/slides/slide4.xml><?xml version="1.0" encoding="utf-8"?>
+<p:sld xmlns:a="http://schemas.openxmlformats.org/drawingml/2006/main" xmlns:r="http://schemas.openxmlformats.org/officeDocument/2006/relationships" xmlns:p="http://schemas.openxmlformats.org/presentationml/2006/main">
+  <p:cSld>
+    <p:spTree>
+      <p:nvGrpSpPr>
+        <p:cNvPr id="1" name="Shape 97"/>
+        <p:cNvGrpSpPr/>
+        <p:nvPr/>
+      </p:nvGrpSpPr>
+      <p:grpSpPr>
+        <a:xfrm>
+          <a:off x="0" y="0"/>
+          <a:ext cx="0" cy="0"/>
+          <a:chOff x="0" y="0"/>
+          <a:chExt cx="0" cy="0"/>
+        </a:xfrm>
+      </p:grpSpPr>
+      <p:sp>
+        <p:nvSpPr>
+          <p:cNvPr id="98" name="Google Shape;98;p23"/>
+          <p:cNvSpPr txBox="1">
+            <a:spLocks noGrp="1"/>
+          </p:cNvSpPr>
+          <p:nvPr>
+            <p:ph type="body" idx="1"/>
+          </p:nvPr>
+        </p:nvSpPr>
+        <p:spPr>
+          <a:xfrm>
+            <a:off x="294608" y="954334"/>
+            <a:ext cx="4875900" cy="3882586"/>
+          </a:xfrm>
+          <a:prstGeom prst="rect">
+            <a:avLst/>
+          </a:prstGeom>
+          <a:noFill/>
+          <a:ln>
+            <a:noFill/>
+          </a:ln>
+        </p:spPr>
+        <p:txBody>
+          <a:bodyPr spcFirstLastPara="1" wrap="square" lIns="91425" tIns="91425" rIns="91425" bIns="91425" anchor="t" anchorCtr="0">
+            <a:noAutofit/>
+          </a:bodyPr>
+          <a:lstStyle/>
+          <a:p>
+            <a:pPr marL="139700" indent="0">
+              <a:lnSpc>
+                <a:spcPct val="150000"/>
+              </a:lnSpc>
+              <a:buNone/>
+            </a:pPr>
+            <a:r>
+              <a:rPr lang="ru-RU" sz="1800" b="1" dirty="0">
+                <a:solidFill>
+                  <a:srgbClr val="662483"/>
+                </a:solidFill>
+                <a:latin typeface="Tahoma"/>
+                <a:ea typeface="Tahoma"/>
+                <a:cs typeface="Tahoma"/>
+                <a:sym typeface="Tahoma"/>
+              </a:rPr>
+              <a:t>План лекции</a:t>
+            </a:r>
+            <a:r>
+              <a:rPr lang="ru" sz="1800" b="1" dirty="0">
+                <a:solidFill>
+                  <a:srgbClr val="662483"/>
+                </a:solidFill>
+                <a:latin typeface="Tahoma"/>
+                <a:ea typeface="Tahoma"/>
+                <a:cs typeface="Tahoma"/>
+                <a:sym typeface="Tahoma"/>
+              </a:rPr>
+              <a:t> </a:t>
+            </a:r>
+          </a:p>
+          <a:p>
+            <a:pPr lvl="0">
+              <a:lnSpc>
+                <a:spcPct val="150000"/>
+              </a:lnSpc>
+              <a:buClr>
+                <a:srgbClr val="000000"/>
+              </a:buClr>
+              <a:buFont typeface="Tahoma"/>
+              <a:buChar char="●"/>
+            </a:pPr>
+            <a:r>
+              <a:rPr lang="ru-RU" dirty="0">
+                <a:solidFill>
+                  <a:schemeClr val="dk1"/>
+                </a:solidFill>
+                <a:latin typeface="Tahoma"/>
+                <a:ea typeface="Tahoma"/>
+                <a:cs typeface="Tahoma"/>
+                <a:sym typeface="Tahoma"/>
+              </a:rPr>
+              <a:t>Структура проекта</a:t>
+            </a:r>
+          </a:p>
+          <a:p>
+            <a:pPr>
+              <a:lnSpc>
+                <a:spcPct val="150000"/>
+              </a:lnSpc>
+              <a:buClr>
+                <a:srgbClr val="000000"/>
+              </a:buClr>
+              <a:buFont typeface="Tahoma"/>
+              <a:buChar char="●"/>
+            </a:pPr>
+            <a:r>
+              <a:rPr lang="en-US" dirty="0">
+                <a:solidFill>
+                  <a:schemeClr val="dk1"/>
+                </a:solidFill>
+                <a:latin typeface="Tahoma"/>
+                <a:ea typeface="Tahoma"/>
+                <a:cs typeface="Tahoma"/>
+                <a:sym typeface="Tahoma"/>
+              </a:rPr>
+              <a:t>State</a:t>
+            </a:r>
+          </a:p>
+          <a:p>
+            <a:pPr lvl="0">
+              <a:lnSpc>
+                <a:spcPct val="150000"/>
+              </a:lnSpc>
+              <a:buClr>
+                <a:srgbClr val="000000"/>
+              </a:buClr>
+              <a:buFont typeface="Tahoma"/>
+              <a:buChar char="●"/>
+            </a:pPr>
+            <a:r>
+              <a:rPr lang="en-US" dirty="0">
+                <a:solidFill>
+                  <a:schemeClr val="dk1"/>
+                </a:solidFill>
+                <a:latin typeface="Tahoma"/>
+                <a:ea typeface="Tahoma"/>
+                <a:cs typeface="Tahoma"/>
+                <a:sym typeface="Tahoma"/>
+              </a:rPr>
+              <a:t>Props</a:t>
+            </a:r>
+            <a:endParaRPr lang="en-US" dirty="0">
+              <a:solidFill>
+                <a:srgbClr val="000000"/>
+              </a:solidFill>
+              <a:latin typeface="Tahoma"/>
+              <a:ea typeface="Tahoma"/>
+              <a:cs typeface="Tahoma"/>
+              <a:sym typeface="Tahoma"/>
+            </a:endParaRPr>
+          </a:p>
+        </p:txBody>
+      </p:sp>
+      <p:grpSp>
+        <p:nvGrpSpPr>
+          <p:cNvPr id="99" name="Google Shape;99;p23"/>
+          <p:cNvGrpSpPr/>
+          <p:nvPr/>
+        </p:nvGrpSpPr>
+        <p:grpSpPr>
+          <a:xfrm>
+            <a:off x="0" y="0"/>
+            <a:ext cx="9144000" cy="633000"/>
+            <a:chOff x="125" y="215925"/>
+            <a:chExt cx="9144000" cy="633000"/>
+          </a:xfrm>
+        </p:grpSpPr>
+        <p:sp>
+          <p:nvSpPr>
+            <p:cNvPr id="100" name="Google Shape;100;p23"/>
+            <p:cNvSpPr/>
+            <p:nvPr/>
+          </p:nvSpPr>
+          <p:spPr>
+            <a:xfrm>
+              <a:off x="125" y="215925"/>
+              <a:ext cx="9144000" cy="633000"/>
+            </a:xfrm>
+            <a:prstGeom prst="rect">
+              <a:avLst/>
+            </a:prstGeom>
+            <a:solidFill>
+              <a:srgbClr val="88AF43"/>
+            </a:solidFill>
+            <a:ln w="9525" cap="flat" cmpd="sng">
+              <a:solidFill>
+                <a:srgbClr val="88AF43"/>
+              </a:solidFill>
+              <a:prstDash val="solid"/>
+              <a:round/>
+              <a:headEnd type="none" w="sm" len="sm"/>
+              <a:tailEnd type="none" w="sm" len="sm"/>
+            </a:ln>
+          </p:spPr>
+          <p:txBody>
+            <a:bodyPr spcFirstLastPara="1" wrap="square" lIns="91425" tIns="91425" rIns="91425" bIns="91425" anchor="ctr" anchorCtr="0">
+              <a:noAutofit/>
+            </a:bodyPr>
+            <a:lstStyle/>
+            <a:p>
+              <a:pPr marL="0" marR="0" lvl="0" indent="0" algn="l" rtl="0">
+                <a:lnSpc>
+                  <a:spcPct val="100000"/>
+                </a:lnSpc>
+                <a:spcBef>
+                  <a:spcPts val="0"/>
+                </a:spcBef>
+                <a:spcAft>
+                  <a:spcPts val="0"/>
+                </a:spcAft>
+                <a:buClr>
+                  <a:srgbClr val="000000"/>
+                </a:buClr>
+                <a:buSzPts val="1400"/>
+                <a:buFont typeface="Arial"/>
+                <a:buNone/>
+              </a:pPr>
+              <a:endParaRPr sz="1400" b="0" i="0" u="none" strike="noStrike" cap="none">
+                <a:solidFill>
+                  <a:srgbClr val="000000"/>
+                </a:solidFill>
+                <a:latin typeface="Arial"/>
+                <a:ea typeface="Arial"/>
+                <a:cs typeface="Arial"/>
+                <a:sym typeface="Arial"/>
+              </a:endParaRPr>
+            </a:p>
+          </p:txBody>
+        </p:sp>
+        <p:sp>
+          <p:nvSpPr>
+            <p:cNvPr id="101" name="Google Shape;101;p23"/>
+            <p:cNvSpPr txBox="1"/>
+            <p:nvPr/>
+          </p:nvSpPr>
+          <p:spPr>
+            <a:xfrm>
+              <a:off x="181650" y="285825"/>
+              <a:ext cx="5786400" cy="493200"/>
+            </a:xfrm>
+            <a:prstGeom prst="rect">
+              <a:avLst/>
+            </a:prstGeom>
+            <a:noFill/>
+            <a:ln>
+              <a:noFill/>
+            </a:ln>
+          </p:spPr>
+          <p:txBody>
+            <a:bodyPr spcFirstLastPara="1" wrap="square" lIns="91425" tIns="91425" rIns="91425" bIns="91425" anchor="t" anchorCtr="0">
+              <a:noAutofit/>
+            </a:bodyPr>
+            <a:lstStyle/>
+            <a:p>
+              <a:pPr marL="0" marR="0" lvl="0" indent="0" algn="l" rtl="0">
+                <a:lnSpc>
+                  <a:spcPct val="100000"/>
+                </a:lnSpc>
+                <a:spcBef>
+                  <a:spcPts val="0"/>
+                </a:spcBef>
+                <a:spcAft>
+                  <a:spcPts val="0"/>
+                </a:spcAft>
+                <a:buClr>
+                  <a:srgbClr val="000000"/>
+                </a:buClr>
+                <a:buSzPts val="2000"/>
+                <a:buFont typeface="Arial"/>
+                <a:buNone/>
+              </a:pPr>
+              <a:r>
+                <a:rPr lang="ru-RU" sz="2000" b="0" i="0" u="none" strike="noStrike" cap="none" dirty="0">
+                  <a:solidFill>
+                    <a:srgbClr val="FFFFFF"/>
+                  </a:solidFill>
+                  <a:latin typeface="Tahoma"/>
+                  <a:ea typeface="Tahoma"/>
+                  <a:cs typeface="Tahoma"/>
+                  <a:sym typeface="Tahoma"/>
+                </a:rPr>
+                <a:t>Структура проекта</a:t>
+              </a:r>
+              <a:endParaRPr sz="2000" b="0" i="0" u="none" strike="noStrike" cap="none" dirty="0">
+                <a:solidFill>
+                  <a:srgbClr val="FFFFFF"/>
+                </a:solidFill>
+                <a:latin typeface="Tahoma"/>
+                <a:ea typeface="Tahoma"/>
+                <a:cs typeface="Tahoma"/>
+                <a:sym typeface="Tahoma"/>
+              </a:endParaRPr>
+            </a:p>
+          </p:txBody>
+        </p:sp>
+      </p:grpSp>
+      <p:sp>
+        <p:nvSpPr>
+          <p:cNvPr id="102" name="Google Shape;102;p23"/>
+          <p:cNvSpPr/>
+          <p:nvPr/>
+        </p:nvSpPr>
+        <p:spPr>
+          <a:xfrm>
+            <a:off x="0" y="5038200"/>
+            <a:ext cx="9144000" cy="105300"/>
+          </a:xfrm>
+          <a:prstGeom prst="rect">
+            <a:avLst/>
+          </a:prstGeom>
+          <a:solidFill>
+            <a:srgbClr val="662483"/>
+          </a:solidFill>
+          <a:ln>
+            <a:noFill/>
+          </a:ln>
+        </p:spPr>
+        <p:txBody>
+          <a:bodyPr spcFirstLastPara="1" wrap="square" lIns="91425" tIns="91425" rIns="91425" bIns="91425" anchor="ctr" anchorCtr="0">
+            <a:noAutofit/>
+          </a:bodyPr>
+          <a:lstStyle/>
+          <a:p>
+            <a:pPr marL="0" marR="0" lvl="0" indent="0" algn="l" rtl="0">
+              <a:lnSpc>
+                <a:spcPct val="100000"/>
+              </a:lnSpc>
+              <a:spcBef>
+                <a:spcPts val="0"/>
+              </a:spcBef>
+              <a:spcAft>
+                <a:spcPts val="0"/>
+              </a:spcAft>
+              <a:buClr>
+                <a:srgbClr val="000000"/>
+              </a:buClr>
+              <a:buSzPts val="1400"/>
+              <a:buFont typeface="Arial"/>
+              <a:buNone/>
+            </a:pPr>
+            <a:endParaRPr sz="1400" b="0" i="0" u="none" strike="noStrike" cap="none">
+              <a:solidFill>
+                <a:srgbClr val="000000"/>
+              </a:solidFill>
+              <a:latin typeface="Arial"/>
+              <a:ea typeface="Arial"/>
+              <a:cs typeface="Arial"/>
+              <a:sym typeface="Arial"/>
+            </a:endParaRPr>
+          </a:p>
+        </p:txBody>
+      </p:sp>
+    </p:spTree>
+    <p:extLst>
+      <p:ext uri="{BB962C8B-B14F-4D97-AF65-F5344CB8AC3E}">
+        <p14:creationId xmlns:p14="http://schemas.microsoft.com/office/powerpoint/2010/main" val="2186248573"/>
+      </p:ext>
+    </p:extLst>
+  </p:cSld>
+  <p:clrMapOvr>
+    <a:masterClrMapping/>
+  </p:clrMapOvr>
+</p:sld>
+</file>
+
+<file path=ppt/slides/slide5.xml><?xml version="1.0" encoding="utf-8"?>
+<p:sld xmlns:a="http://schemas.openxmlformats.org/drawingml/2006/main" xmlns:r="http://schemas.openxmlformats.org/officeDocument/2006/relationships" xmlns:p="http://schemas.openxmlformats.org/presentationml/2006/main">
+  <p:cSld>
+    <p:spTree>
+      <p:nvGrpSpPr>
+        <p:cNvPr id="1" name="Shape 97"/>
+        <p:cNvGrpSpPr/>
+        <p:nvPr/>
+      </p:nvGrpSpPr>
+      <p:grpSpPr>
+        <a:xfrm>
+          <a:off x="0" y="0"/>
+          <a:ext cx="0" cy="0"/>
+          <a:chOff x="0" y="0"/>
+          <a:chExt cx="0" cy="0"/>
+        </a:xfrm>
+      </p:grpSpPr>
+      <p:sp>
+        <p:nvSpPr>
+          <p:cNvPr id="98" name="Google Shape;98;p23"/>
+          <p:cNvSpPr txBox="1">
+            <a:spLocks noGrp="1"/>
+          </p:cNvSpPr>
+          <p:nvPr>
+            <p:ph type="body" idx="1"/>
+          </p:nvPr>
+        </p:nvSpPr>
+        <p:spPr>
+          <a:xfrm>
             <a:off x="294607" y="954334"/>
             <a:ext cx="8609247" cy="3931702"/>
           </a:xfrm>
@@ -13658,7 +14689,7 @@
 </p:sld>
 </file>
 
-<file path=ppt/slides/slide4.xml><?xml version="1.0" encoding="utf-8"?>
+<file path=ppt/slides/slide6.xml><?xml version="1.0" encoding="utf-8"?>
 <p:sld xmlns:a="http://schemas.openxmlformats.org/drawingml/2006/main" xmlns:r="http://schemas.openxmlformats.org/officeDocument/2006/relationships" xmlns:p="http://schemas.openxmlformats.org/presentationml/2006/main">
   <p:cSld>
     <p:spTree>
@@ -14061,7 +15092,7 @@
 </p:sld>
 </file>
 
-<file path=ppt/slides/slide5.xml><?xml version="1.0" encoding="utf-8"?>
+<file path=ppt/slides/slide7.xml><?xml version="1.0" encoding="utf-8"?>
 <p:sld xmlns:a="http://schemas.openxmlformats.org/drawingml/2006/main" xmlns:r="http://schemas.openxmlformats.org/officeDocument/2006/relationships" xmlns:p="http://schemas.openxmlformats.org/presentationml/2006/main">
   <p:cSld>
     <p:spTree>
@@ -15613,7 +16644,7 @@
 </p:sld>
 </file>
 
-<file path=ppt/slides/slide6.xml><?xml version="1.0" encoding="utf-8"?>
+<file path=ppt/slides/slide8.xml><?xml version="1.0" encoding="utf-8"?>
 <p:sld xmlns:a="http://schemas.openxmlformats.org/drawingml/2006/main" xmlns:r="http://schemas.openxmlformats.org/officeDocument/2006/relationships" xmlns:p="http://schemas.openxmlformats.org/presentationml/2006/main">
   <p:cSld>
     <p:spTree>
@@ -16353,7 +17384,7 @@
 </p:sld>
 </file>
 
-<file path=ppt/slides/slide7.xml><?xml version="1.0" encoding="utf-8"?>
+<file path=ppt/slides/slide9.xml><?xml version="1.0" encoding="utf-8"?>
 <p:sld xmlns:a="http://schemas.openxmlformats.org/drawingml/2006/main" xmlns:r="http://schemas.openxmlformats.org/officeDocument/2006/relationships" xmlns:p="http://schemas.openxmlformats.org/presentationml/2006/main">
   <p:cSld>
     <p:spTree>

--- a/2019/II.  React/2.3 Props, State/Презентация 2.3 Props, State.pptx
+++ b/2019/II.  React/2.3 Props, State/Презентация 2.3 Props, State.pptx
@@ -6,7 +6,7 @@
     <p:sldMasterId id="2147483668" r:id="rId2"/>
   </p:sldMasterIdLst>
   <p:notesMasterIdLst>
-    <p:notesMasterId r:id="rId12"/>
+    <p:notesMasterId r:id="rId13"/>
   </p:notesMasterIdLst>
   <p:sldIdLst>
     <p:sldId id="256" r:id="rId3"/>
@@ -14,18 +14,19 @@
     <p:sldId id="278" r:id="rId5"/>
     <p:sldId id="279" r:id="rId6"/>
     <p:sldId id="276" r:id="rId7"/>
-    <p:sldId id="277" r:id="rId8"/>
-    <p:sldId id="271" r:id="rId9"/>
-    <p:sldId id="275" r:id="rId10"/>
-    <p:sldId id="268" r:id="rId11"/>
+    <p:sldId id="280" r:id="rId8"/>
+    <p:sldId id="277" r:id="rId9"/>
+    <p:sldId id="271" r:id="rId10"/>
+    <p:sldId id="275" r:id="rId11"/>
+    <p:sldId id="268" r:id="rId12"/>
   </p:sldIdLst>
   <p:sldSz cx="9144000" cy="5143500" type="screen16x9"/>
   <p:notesSz cx="6858000" cy="9144000"/>
   <p:embeddedFontLst>
     <p:embeddedFont>
       <p:font typeface="Tahoma" panose="020B0604030504040204" pitchFamily="34" charset="0"/>
-      <p:regular r:id="rId13"/>
-      <p:bold r:id="rId14"/>
+      <p:regular r:id="rId14"/>
+      <p:bold r:id="rId15"/>
     </p:embeddedFont>
   </p:embeddedFontLst>
   <p:defaultTextStyle>
@@ -837,6 +838,110 @@
 </p:notes>
 </file>
 
+<file path=ppt/notesSlides/notesSlide10.xml><?xml version="1.0" encoding="utf-8"?>
+<p:notes xmlns:a="http://schemas.openxmlformats.org/drawingml/2006/main" xmlns:r="http://schemas.openxmlformats.org/officeDocument/2006/relationships" xmlns:p="http://schemas.openxmlformats.org/presentationml/2006/main" showMasterSp="0" showMasterPhAnim="0">
+  <p:cSld>
+    <p:spTree>
+      <p:nvGrpSpPr>
+        <p:cNvPr id="1" name="Shape 202"/>
+        <p:cNvGrpSpPr/>
+        <p:nvPr/>
+      </p:nvGrpSpPr>
+      <p:grpSpPr>
+        <a:xfrm>
+          <a:off x="0" y="0"/>
+          <a:ext cx="0" cy="0"/>
+          <a:chOff x="0" y="0"/>
+          <a:chExt cx="0" cy="0"/>
+        </a:xfrm>
+      </p:grpSpPr>
+      <p:sp>
+        <p:nvSpPr>
+          <p:cNvPr id="203" name="Google Shape;203;g582beb433c_2_193:notes"/>
+          <p:cNvSpPr txBox="1">
+            <a:spLocks noGrp="1"/>
+          </p:cNvSpPr>
+          <p:nvPr>
+            <p:ph type="body" idx="1"/>
+          </p:nvPr>
+        </p:nvSpPr>
+        <p:spPr>
+          <a:xfrm>
+            <a:off x="685800" y="4343400"/>
+            <a:ext cx="5486400" cy="4114800"/>
+          </a:xfrm>
+          <a:prstGeom prst="rect">
+            <a:avLst/>
+          </a:prstGeom>
+        </p:spPr>
+        <p:txBody>
+          <a:bodyPr spcFirstLastPara="1" wrap="square" lIns="91425" tIns="91425" rIns="91425" bIns="91425" anchor="t" anchorCtr="0">
+            <a:noAutofit/>
+          </a:bodyPr>
+          <a:lstStyle/>
+          <a:p>
+            <a:pPr marL="0" lvl="0" indent="0" algn="l" rtl="0">
+              <a:spcBef>
+                <a:spcPts val="0"/>
+              </a:spcBef>
+              <a:spcAft>
+                <a:spcPts val="0"/>
+              </a:spcAft>
+              <a:buNone/>
+            </a:pPr>
+            <a:endParaRPr/>
+          </a:p>
+        </p:txBody>
+      </p:sp>
+      <p:sp>
+        <p:nvSpPr>
+          <p:cNvPr id="204" name="Google Shape;204;g582beb433c_2_193:notes"/>
+          <p:cNvSpPr>
+            <a:spLocks noGrp="1" noRot="1" noChangeAspect="1"/>
+          </p:cNvSpPr>
+          <p:nvPr>
+            <p:ph type="sldImg" idx="2"/>
+          </p:nvPr>
+        </p:nvSpPr>
+        <p:spPr>
+          <a:xfrm>
+            <a:off x="381300" y="685800"/>
+            <a:ext cx="6096075" cy="3429000"/>
+          </a:xfrm>
+          <a:custGeom>
+            <a:avLst/>
+            <a:gdLst/>
+            <a:ahLst/>
+            <a:cxnLst/>
+            <a:rect l="l" t="t" r="r" b="b"/>
+            <a:pathLst>
+              <a:path w="120000" h="120000" extrusionOk="0">
+                <a:moveTo>
+                  <a:pt x="0" y="0"/>
+                </a:moveTo>
+                <a:lnTo>
+                  <a:pt x="120000" y="0"/>
+                </a:lnTo>
+                <a:lnTo>
+                  <a:pt x="120000" y="120000"/>
+                </a:lnTo>
+                <a:lnTo>
+                  <a:pt x="0" y="120000"/>
+                </a:lnTo>
+                <a:close/>
+              </a:path>
+            </a:pathLst>
+          </a:custGeom>
+        </p:spPr>
+      </p:sp>
+    </p:spTree>
+  </p:cSld>
+  <p:clrMapOvr>
+    <a:masterClrMapping/>
+  </p:clrMapOvr>
+</p:notes>
+</file>
+
 <file path=ppt/notesSlides/notesSlide2.xml><?xml version="1.0" encoding="utf-8"?>
 <p:notes xmlns:a="http://schemas.openxmlformats.org/drawingml/2006/main" xmlns:r="http://schemas.openxmlformats.org/officeDocument/2006/relationships" xmlns:p="http://schemas.openxmlformats.org/presentationml/2006/main" showMasterSp="0" showMasterPhAnim="0">
   <p:cSld>
@@ -1367,6 +1472,115 @@
     </p:spTree>
     <p:extLst>
       <p:ext uri="{BB962C8B-B14F-4D97-AF65-F5344CB8AC3E}">
+        <p14:creationId xmlns:p14="http://schemas.microsoft.com/office/powerpoint/2010/main" val="4051058051"/>
+      </p:ext>
+    </p:extLst>
+  </p:cSld>
+  <p:clrMapOvr>
+    <a:masterClrMapping/>
+  </p:clrMapOvr>
+</p:notes>
+</file>
+
+<file path=ppt/notesSlides/notesSlide7.xml><?xml version="1.0" encoding="utf-8"?>
+<p:notes xmlns:a="http://schemas.openxmlformats.org/drawingml/2006/main" xmlns:r="http://schemas.openxmlformats.org/officeDocument/2006/relationships" xmlns:p="http://schemas.openxmlformats.org/presentationml/2006/main" showMasterSp="0" showMasterPhAnim="0">
+  <p:cSld>
+    <p:spTree>
+      <p:nvGrpSpPr>
+        <p:cNvPr id="1" name="Shape 94"/>
+        <p:cNvGrpSpPr/>
+        <p:nvPr/>
+      </p:nvGrpSpPr>
+      <p:grpSpPr>
+        <a:xfrm>
+          <a:off x="0" y="0"/>
+          <a:ext cx="0" cy="0"/>
+          <a:chOff x="0" y="0"/>
+          <a:chExt cx="0" cy="0"/>
+        </a:xfrm>
+      </p:grpSpPr>
+      <p:sp>
+        <p:nvSpPr>
+          <p:cNvPr id="95" name="Google Shape;95;g582beb433c_0_44:notes"/>
+          <p:cNvSpPr txBox="1">
+            <a:spLocks noGrp="1"/>
+          </p:cNvSpPr>
+          <p:nvPr>
+            <p:ph type="body" idx="1"/>
+          </p:nvPr>
+        </p:nvSpPr>
+        <p:spPr>
+          <a:xfrm>
+            <a:off x="685800" y="4343400"/>
+            <a:ext cx="5486400" cy="4114800"/>
+          </a:xfrm>
+          <a:prstGeom prst="rect">
+            <a:avLst/>
+          </a:prstGeom>
+        </p:spPr>
+        <p:txBody>
+          <a:bodyPr spcFirstLastPara="1" wrap="square" lIns="91425" tIns="91425" rIns="91425" bIns="91425" anchor="t" anchorCtr="0">
+            <a:noAutofit/>
+          </a:bodyPr>
+          <a:lstStyle/>
+          <a:p>
+            <a:pPr marL="0" lvl="0" indent="0" algn="l" rtl="0">
+              <a:spcBef>
+                <a:spcPts val="0"/>
+              </a:spcBef>
+              <a:spcAft>
+                <a:spcPts val="0"/>
+              </a:spcAft>
+              <a:buNone/>
+            </a:pPr>
+            <a:endParaRPr/>
+          </a:p>
+        </p:txBody>
+      </p:sp>
+      <p:sp>
+        <p:nvSpPr>
+          <p:cNvPr id="96" name="Google Shape;96;g582beb433c_0_44:notes"/>
+          <p:cNvSpPr>
+            <a:spLocks noGrp="1" noRot="1" noChangeAspect="1"/>
+          </p:cNvSpPr>
+          <p:nvPr>
+            <p:ph type="sldImg" idx="2"/>
+          </p:nvPr>
+        </p:nvSpPr>
+        <p:spPr>
+          <a:xfrm>
+            <a:off x="381000" y="685800"/>
+            <a:ext cx="6096000" cy="3429000"/>
+          </a:xfrm>
+          <a:custGeom>
+            <a:avLst/>
+            <a:gdLst/>
+            <a:ahLst/>
+            <a:cxnLst/>
+            <a:rect l="l" t="t" r="r" b="b"/>
+            <a:pathLst>
+              <a:path w="120000" h="120000" extrusionOk="0">
+                <a:moveTo>
+                  <a:pt x="0" y="0"/>
+                </a:moveTo>
+                <a:lnTo>
+                  <a:pt x="120000" y="0"/>
+                </a:lnTo>
+                <a:lnTo>
+                  <a:pt x="120000" y="120000"/>
+                </a:lnTo>
+                <a:lnTo>
+                  <a:pt x="0" y="120000"/>
+                </a:lnTo>
+                <a:close/>
+              </a:path>
+            </a:pathLst>
+          </a:custGeom>
+        </p:spPr>
+      </p:sp>
+    </p:spTree>
+    <p:extLst>
+      <p:ext uri="{BB962C8B-B14F-4D97-AF65-F5344CB8AC3E}">
         <p14:creationId xmlns:p14="http://schemas.microsoft.com/office/powerpoint/2010/main" val="3609083525"/>
       </p:ext>
     </p:extLst>
@@ -1377,7 +1591,7 @@
 </p:notes>
 </file>
 
-<file path=ppt/notesSlides/notesSlide7.xml><?xml version="1.0" encoding="utf-8"?>
+<file path=ppt/notesSlides/notesSlide8.xml><?xml version="1.0" encoding="utf-8"?>
 <p:notes xmlns:a="http://schemas.openxmlformats.org/drawingml/2006/main" xmlns:r="http://schemas.openxmlformats.org/officeDocument/2006/relationships" xmlns:p="http://schemas.openxmlformats.org/presentationml/2006/main" showMasterSp="0" showMasterPhAnim="0">
   <p:cSld>
     <p:spTree>
@@ -1504,7 +1718,7 @@
 </p:notes>
 </file>
 
-<file path=ppt/notesSlides/notesSlide8.xml><?xml version="1.0" encoding="utf-8"?>
+<file path=ppt/notesSlides/notesSlide9.xml><?xml version="1.0" encoding="utf-8"?>
 <p:notes xmlns:a="http://schemas.openxmlformats.org/drawingml/2006/main" xmlns:r="http://schemas.openxmlformats.org/officeDocument/2006/relationships" xmlns:p="http://schemas.openxmlformats.org/presentationml/2006/main" showMasterSp="0" showMasterPhAnim="0">
   <p:cSld>
     <p:spTree>
@@ -1624,110 +1838,6 @@
         <p14:creationId xmlns:p14="http://schemas.microsoft.com/office/powerpoint/2010/main" val="942263464"/>
       </p:ext>
     </p:extLst>
-  </p:cSld>
-  <p:clrMapOvr>
-    <a:masterClrMapping/>
-  </p:clrMapOvr>
-</p:notes>
-</file>
-
-<file path=ppt/notesSlides/notesSlide9.xml><?xml version="1.0" encoding="utf-8"?>
-<p:notes xmlns:a="http://schemas.openxmlformats.org/drawingml/2006/main" xmlns:r="http://schemas.openxmlformats.org/officeDocument/2006/relationships" xmlns:p="http://schemas.openxmlformats.org/presentationml/2006/main" showMasterSp="0" showMasterPhAnim="0">
-  <p:cSld>
-    <p:spTree>
-      <p:nvGrpSpPr>
-        <p:cNvPr id="1" name="Shape 202"/>
-        <p:cNvGrpSpPr/>
-        <p:nvPr/>
-      </p:nvGrpSpPr>
-      <p:grpSpPr>
-        <a:xfrm>
-          <a:off x="0" y="0"/>
-          <a:ext cx="0" cy="0"/>
-          <a:chOff x="0" y="0"/>
-          <a:chExt cx="0" cy="0"/>
-        </a:xfrm>
-      </p:grpSpPr>
-      <p:sp>
-        <p:nvSpPr>
-          <p:cNvPr id="203" name="Google Shape;203;g582beb433c_2_193:notes"/>
-          <p:cNvSpPr txBox="1">
-            <a:spLocks noGrp="1"/>
-          </p:cNvSpPr>
-          <p:nvPr>
-            <p:ph type="body" idx="1"/>
-          </p:nvPr>
-        </p:nvSpPr>
-        <p:spPr>
-          <a:xfrm>
-            <a:off x="685800" y="4343400"/>
-            <a:ext cx="5486400" cy="4114800"/>
-          </a:xfrm>
-          <a:prstGeom prst="rect">
-            <a:avLst/>
-          </a:prstGeom>
-        </p:spPr>
-        <p:txBody>
-          <a:bodyPr spcFirstLastPara="1" wrap="square" lIns="91425" tIns="91425" rIns="91425" bIns="91425" anchor="t" anchorCtr="0">
-            <a:noAutofit/>
-          </a:bodyPr>
-          <a:lstStyle/>
-          <a:p>
-            <a:pPr marL="0" lvl="0" indent="0" algn="l" rtl="0">
-              <a:spcBef>
-                <a:spcPts val="0"/>
-              </a:spcBef>
-              <a:spcAft>
-                <a:spcPts val="0"/>
-              </a:spcAft>
-              <a:buNone/>
-            </a:pPr>
-            <a:endParaRPr/>
-          </a:p>
-        </p:txBody>
-      </p:sp>
-      <p:sp>
-        <p:nvSpPr>
-          <p:cNvPr id="204" name="Google Shape;204;g582beb433c_2_193:notes"/>
-          <p:cNvSpPr>
-            <a:spLocks noGrp="1" noRot="1" noChangeAspect="1"/>
-          </p:cNvSpPr>
-          <p:nvPr>
-            <p:ph type="sldImg" idx="2"/>
-          </p:nvPr>
-        </p:nvSpPr>
-        <p:spPr>
-          <a:xfrm>
-            <a:off x="381300" y="685800"/>
-            <a:ext cx="6096075" cy="3429000"/>
-          </a:xfrm>
-          <a:custGeom>
-            <a:avLst/>
-            <a:gdLst/>
-            <a:ahLst/>
-            <a:cxnLst/>
-            <a:rect l="l" t="t" r="r" b="b"/>
-            <a:pathLst>
-              <a:path w="120000" h="120000" extrusionOk="0">
-                <a:moveTo>
-                  <a:pt x="0" y="0"/>
-                </a:moveTo>
-                <a:lnTo>
-                  <a:pt x="120000" y="0"/>
-                </a:lnTo>
-                <a:lnTo>
-                  <a:pt x="120000" y="120000"/>
-                </a:lnTo>
-                <a:lnTo>
-                  <a:pt x="0" y="120000"/>
-                </a:lnTo>
-                <a:close/>
-              </a:path>
-            </a:pathLst>
-          </a:custGeom>
-        </p:spPr>
-      </p:sp>
-    </p:spTree>
   </p:cSld>
   <p:clrMapOvr>
     <a:masterClrMapping/>
@@ -12961,6 +13071,334 @@
 </p:sld>
 </file>
 
+<file path=ppt/slides/slide10.xml><?xml version="1.0" encoding="utf-8"?>
+<p:sld xmlns:a="http://schemas.openxmlformats.org/drawingml/2006/main" xmlns:r="http://schemas.openxmlformats.org/officeDocument/2006/relationships" xmlns:p="http://schemas.openxmlformats.org/presentationml/2006/main">
+  <p:cSld>
+    <p:spTree>
+      <p:nvGrpSpPr>
+        <p:cNvPr id="1" name="Shape 205"/>
+        <p:cNvGrpSpPr/>
+        <p:nvPr/>
+      </p:nvGrpSpPr>
+      <p:grpSpPr>
+        <a:xfrm>
+          <a:off x="0" y="0"/>
+          <a:ext cx="0" cy="0"/>
+          <a:chOff x="0" y="0"/>
+          <a:chExt cx="0" cy="0"/>
+        </a:xfrm>
+      </p:grpSpPr>
+      <p:sp>
+        <p:nvSpPr>
+          <p:cNvPr id="206" name="Google Shape;206;p34"/>
+          <p:cNvSpPr txBox="1">
+            <a:spLocks noGrp="1"/>
+          </p:cNvSpPr>
+          <p:nvPr>
+            <p:ph type="ctrTitle"/>
+          </p:nvPr>
+        </p:nvSpPr>
+        <p:spPr>
+          <a:xfrm>
+            <a:off x="311708" y="744575"/>
+            <a:ext cx="8520600" cy="2052600"/>
+          </a:xfrm>
+          <a:prstGeom prst="rect">
+            <a:avLst/>
+          </a:prstGeom>
+          <a:noFill/>
+          <a:ln>
+            <a:noFill/>
+          </a:ln>
+        </p:spPr>
+        <p:txBody>
+          <a:bodyPr spcFirstLastPara="1" wrap="square" lIns="91425" tIns="91425" rIns="91425" bIns="91425" anchor="b" anchorCtr="0">
+            <a:noAutofit/>
+          </a:bodyPr>
+          <a:lstStyle/>
+          <a:p>
+            <a:pPr marL="0" lvl="0" indent="0" algn="ctr" rtl="0">
+              <a:lnSpc>
+                <a:spcPct val="100000"/>
+              </a:lnSpc>
+              <a:spcBef>
+                <a:spcPts val="0"/>
+              </a:spcBef>
+              <a:spcAft>
+                <a:spcPts val="0"/>
+              </a:spcAft>
+              <a:buSzPts val="5200"/>
+              <a:buNone/>
+            </a:pPr>
+            <a:r>
+              <a:rPr lang="ru">
+                <a:latin typeface="Tahoma"/>
+                <a:ea typeface="Tahoma"/>
+                <a:cs typeface="Tahoma"/>
+                <a:sym typeface="Tahoma"/>
+              </a:rPr>
+              <a:t>Вопросы?</a:t>
+            </a:r>
+            <a:endParaRPr/>
+          </a:p>
+        </p:txBody>
+      </p:sp>
+      <p:sp>
+        <p:nvSpPr>
+          <p:cNvPr id="207" name="Google Shape;207;p34"/>
+          <p:cNvSpPr txBox="1">
+            <a:spLocks noGrp="1"/>
+          </p:cNvSpPr>
+          <p:nvPr>
+            <p:ph type="subTitle" idx="1"/>
+          </p:nvPr>
+        </p:nvSpPr>
+        <p:spPr>
+          <a:xfrm>
+            <a:off x="311700" y="2834125"/>
+            <a:ext cx="8520600" cy="792600"/>
+          </a:xfrm>
+          <a:prstGeom prst="rect">
+            <a:avLst/>
+          </a:prstGeom>
+          <a:noFill/>
+          <a:ln>
+            <a:noFill/>
+          </a:ln>
+        </p:spPr>
+        <p:txBody>
+          <a:bodyPr spcFirstLastPara="1" wrap="square" lIns="91425" tIns="91425" rIns="91425" bIns="91425" anchor="t" anchorCtr="0">
+            <a:noAutofit/>
+          </a:bodyPr>
+          <a:lstStyle/>
+          <a:p>
+            <a:pPr marL="457200" lvl="0" indent="-342900" algn="ctr" rtl="0">
+              <a:lnSpc>
+                <a:spcPct val="100000"/>
+              </a:lnSpc>
+              <a:spcBef>
+                <a:spcPts val="0"/>
+              </a:spcBef>
+              <a:spcAft>
+                <a:spcPts val="0"/>
+              </a:spcAft>
+              <a:buSzPts val="2800"/>
+              <a:buNone/>
+            </a:pPr>
+            <a:r>
+              <a:rPr lang="ru" u="sng">
+                <a:solidFill>
+                  <a:schemeClr val="hlink"/>
+                </a:solidFill>
+                <a:hlinkClick r:id="rId3"/>
+              </a:rPr>
+              <a:t>@primakov_pro</a:t>
+            </a:r>
+            <a:endParaRPr/>
+          </a:p>
+        </p:txBody>
+      </p:sp>
+      <p:grpSp>
+        <p:nvGrpSpPr>
+          <p:cNvPr id="208" name="Google Shape;208;p34"/>
+          <p:cNvGrpSpPr/>
+          <p:nvPr/>
+        </p:nvGrpSpPr>
+        <p:grpSpPr>
+          <a:xfrm>
+            <a:off x="0" y="0"/>
+            <a:ext cx="9144000" cy="633000"/>
+            <a:chOff x="125" y="215925"/>
+            <a:chExt cx="9144000" cy="633000"/>
+          </a:xfrm>
+        </p:grpSpPr>
+        <p:sp>
+          <p:nvSpPr>
+            <p:cNvPr id="209" name="Google Shape;209;p34"/>
+            <p:cNvSpPr/>
+            <p:nvPr/>
+          </p:nvSpPr>
+          <p:spPr>
+            <a:xfrm>
+              <a:off x="125" y="215925"/>
+              <a:ext cx="9144000" cy="633000"/>
+            </a:xfrm>
+            <a:prstGeom prst="rect">
+              <a:avLst/>
+            </a:prstGeom>
+            <a:solidFill>
+              <a:srgbClr val="88AF43"/>
+            </a:solidFill>
+            <a:ln w="9525" cap="flat" cmpd="sng">
+              <a:solidFill>
+                <a:srgbClr val="88AF43"/>
+              </a:solidFill>
+              <a:prstDash val="solid"/>
+              <a:round/>
+              <a:headEnd type="none" w="sm" len="sm"/>
+              <a:tailEnd type="none" w="sm" len="sm"/>
+            </a:ln>
+          </p:spPr>
+          <p:txBody>
+            <a:bodyPr spcFirstLastPara="1" wrap="square" lIns="91425" tIns="91425" rIns="91425" bIns="91425" anchor="ctr" anchorCtr="0">
+              <a:noAutofit/>
+            </a:bodyPr>
+            <a:lstStyle/>
+            <a:p>
+              <a:pPr marL="0" marR="0" lvl="0" indent="0" algn="l" rtl="0">
+                <a:lnSpc>
+                  <a:spcPct val="100000"/>
+                </a:lnSpc>
+                <a:spcBef>
+                  <a:spcPts val="0"/>
+                </a:spcBef>
+                <a:spcAft>
+                  <a:spcPts val="0"/>
+                </a:spcAft>
+                <a:buClr>
+                  <a:srgbClr val="000000"/>
+                </a:buClr>
+                <a:buSzPts val="1400"/>
+                <a:buFont typeface="Arial"/>
+                <a:buNone/>
+              </a:pPr>
+              <a:endParaRPr sz="1400" b="0" i="0" u="none" strike="noStrike" cap="none">
+                <a:solidFill>
+                  <a:srgbClr val="000000"/>
+                </a:solidFill>
+                <a:latin typeface="Arial"/>
+                <a:ea typeface="Arial"/>
+                <a:cs typeface="Arial"/>
+                <a:sym typeface="Arial"/>
+              </a:endParaRPr>
+            </a:p>
+          </p:txBody>
+        </p:sp>
+        <p:sp>
+          <p:nvSpPr>
+            <p:cNvPr id="210" name="Google Shape;210;p34"/>
+            <p:cNvSpPr txBox="1"/>
+            <p:nvPr/>
+          </p:nvSpPr>
+          <p:spPr>
+            <a:xfrm>
+              <a:off x="181650" y="285825"/>
+              <a:ext cx="5786400" cy="493200"/>
+            </a:xfrm>
+            <a:prstGeom prst="rect">
+              <a:avLst/>
+            </a:prstGeom>
+            <a:noFill/>
+            <a:ln>
+              <a:noFill/>
+            </a:ln>
+          </p:spPr>
+          <p:txBody>
+            <a:bodyPr spcFirstLastPara="1" wrap="square" lIns="91425" tIns="91425" rIns="91425" bIns="91425" anchor="t" anchorCtr="0">
+              <a:noAutofit/>
+            </a:bodyPr>
+            <a:lstStyle/>
+            <a:p>
+              <a:pPr marL="0" marR="0" lvl="0" indent="0" algn="l" rtl="0">
+                <a:lnSpc>
+                  <a:spcPct val="100000"/>
+                </a:lnSpc>
+                <a:spcBef>
+                  <a:spcPts val="0"/>
+                </a:spcBef>
+                <a:spcAft>
+                  <a:spcPts val="0"/>
+                </a:spcAft>
+                <a:buClr>
+                  <a:srgbClr val="000000"/>
+                </a:buClr>
+                <a:buSzPts val="2000"/>
+                <a:buFont typeface="Arial"/>
+                <a:buNone/>
+              </a:pPr>
+              <a:endParaRPr sz="2000" b="0" i="0" u="none" strike="noStrike" cap="none">
+                <a:solidFill>
+                  <a:srgbClr val="FFFFFF"/>
+                </a:solidFill>
+                <a:latin typeface="Tahoma"/>
+                <a:ea typeface="Tahoma"/>
+                <a:cs typeface="Tahoma"/>
+                <a:sym typeface="Tahoma"/>
+              </a:endParaRPr>
+            </a:p>
+          </p:txBody>
+        </p:sp>
+      </p:grpSp>
+      <p:sp>
+        <p:nvSpPr>
+          <p:cNvPr id="211" name="Google Shape;211;p34"/>
+          <p:cNvSpPr/>
+          <p:nvPr/>
+        </p:nvSpPr>
+        <p:spPr>
+          <a:xfrm>
+            <a:off x="0" y="5038200"/>
+            <a:ext cx="9144000" cy="105300"/>
+          </a:xfrm>
+          <a:prstGeom prst="rect">
+            <a:avLst/>
+          </a:prstGeom>
+          <a:solidFill>
+            <a:srgbClr val="662483"/>
+          </a:solidFill>
+          <a:ln w="9525" cap="flat" cmpd="sng">
+            <a:solidFill>
+              <a:srgbClr val="662483"/>
+            </a:solidFill>
+            <a:prstDash val="solid"/>
+            <a:round/>
+            <a:headEnd type="none" w="sm" len="sm"/>
+            <a:tailEnd type="none" w="sm" len="sm"/>
+          </a:ln>
+        </p:spPr>
+        <p:txBody>
+          <a:bodyPr spcFirstLastPara="1" wrap="square" lIns="91425" tIns="91425" rIns="91425" bIns="91425" anchor="ctr" anchorCtr="0">
+            <a:noAutofit/>
+          </a:bodyPr>
+          <a:lstStyle/>
+          <a:p>
+            <a:pPr marL="0" marR="0" lvl="0" indent="0" algn="l" rtl="0">
+              <a:lnSpc>
+                <a:spcPct val="100000"/>
+              </a:lnSpc>
+              <a:spcBef>
+                <a:spcPts val="0"/>
+              </a:spcBef>
+              <a:spcAft>
+                <a:spcPts val="0"/>
+              </a:spcAft>
+              <a:buClr>
+                <a:srgbClr val="000000"/>
+              </a:buClr>
+              <a:buSzPts val="1400"/>
+              <a:buFont typeface="Arial"/>
+              <a:buNone/>
+            </a:pPr>
+            <a:endParaRPr sz="1400" b="0" i="0" u="none" strike="noStrike" cap="none">
+              <a:solidFill>
+                <a:srgbClr val="000000"/>
+              </a:solidFill>
+              <a:latin typeface="Arial"/>
+              <a:ea typeface="Arial"/>
+              <a:cs typeface="Arial"/>
+              <a:sym typeface="Arial"/>
+            </a:endParaRPr>
+          </a:p>
+        </p:txBody>
+      </p:sp>
+    </p:spTree>
+  </p:cSld>
+  <p:clrMapOvr>
+    <a:masterClrMapping/>
+  </p:clrMapOvr>
+</p:sld>
+</file>
+
 <file path=ppt/slides/slide2.xml><?xml version="1.0" encoding="utf-8"?>
 <p:sld xmlns:a="http://schemas.openxmlformats.org/drawingml/2006/main" xmlns:r="http://schemas.openxmlformats.org/officeDocument/2006/relationships" xmlns:p="http://schemas.openxmlformats.org/presentationml/2006/main">
   <p:cSld>
@@ -13612,30 +14050,6 @@
             </a:r>
           </a:p>
           <a:p>
-            <a:pPr lvl="0">
-              <a:lnSpc>
-                <a:spcPct val="150000"/>
-              </a:lnSpc>
-              <a:buClr>
-                <a:srgbClr val="000000"/>
-              </a:buClr>
-              <a:buFont typeface="Tahoma"/>
-              <a:buChar char="●"/>
-            </a:pPr>
-            <a:r>
-              <a:rPr lang="ru-RU" dirty="0">
-                <a:solidFill>
-                  <a:schemeClr val="dk1"/>
-                </a:solidFill>
-                <a:latin typeface="Tahoma"/>
-                <a:ea typeface="Tahoma"/>
-                <a:cs typeface="Tahoma"/>
-                <a:sym typeface="Tahoma"/>
-              </a:rPr>
-              <a:t>Структура проекта</a:t>
-            </a:r>
-          </a:p>
-          <a:p>
             <a:pPr>
               <a:lnSpc>
                 <a:spcPct val="150000"/>
@@ -13981,30 +14395,6 @@
                 <a:sym typeface="Tahoma"/>
               </a:rPr>
               <a:t> </a:t>
-            </a:r>
-          </a:p>
-          <a:p>
-            <a:pPr lvl="0">
-              <a:lnSpc>
-                <a:spcPct val="150000"/>
-              </a:lnSpc>
-              <a:buClr>
-                <a:srgbClr val="000000"/>
-              </a:buClr>
-              <a:buFont typeface="Tahoma"/>
-              <a:buChar char="●"/>
-            </a:pPr>
-            <a:r>
-              <a:rPr lang="ru-RU" dirty="0">
-                <a:solidFill>
-                  <a:schemeClr val="dk1"/>
-                </a:solidFill>
-                <a:latin typeface="Tahoma"/>
-                <a:ea typeface="Tahoma"/>
-                <a:cs typeface="Tahoma"/>
-                <a:sym typeface="Tahoma"/>
-              </a:rPr>
-              <a:t>Структура проекта</a:t>
             </a:r>
           </a:p>
           <a:p>
@@ -14749,7 +15139,389 @@
               <a:buNone/>
             </a:pPr>
             <a:r>
+              <a:rPr lang="en-US" sz="1800" b="1" dirty="0">
+                <a:solidFill>
+                  <a:srgbClr val="662483"/>
+                </a:solidFill>
+                <a:latin typeface="Tahoma"/>
+                <a:ea typeface="Tahoma"/>
+                <a:cs typeface="Tahoma"/>
+                <a:sym typeface="Tahoma"/>
+              </a:rPr>
+              <a:t>State</a:t>
+            </a:r>
+            <a:r>
+              <a:rPr lang="ru" sz="1800" b="1" dirty="0">
+                <a:solidFill>
+                  <a:srgbClr val="2875C3"/>
+                </a:solidFill>
+                <a:latin typeface="Tahoma"/>
+                <a:ea typeface="Tahoma"/>
+                <a:cs typeface="Tahoma"/>
+                <a:sym typeface="Tahoma"/>
+              </a:rPr>
+              <a:t> </a:t>
+            </a:r>
+            <a:r>
+              <a:rPr lang="en-US" sz="1800" b="1" dirty="0">
+                <a:solidFill>
+                  <a:srgbClr val="2875C3"/>
+                </a:solidFill>
+                <a:latin typeface="Tahoma"/>
+                <a:ea typeface="Tahoma"/>
+                <a:cs typeface="Tahoma"/>
+                <a:sym typeface="Tahoma"/>
+              </a:rPr>
+              <a:t>– </a:t>
+            </a:r>
+            <a:r>
               <a:rPr lang="ru-RU" sz="1800" b="1" dirty="0">
+                <a:solidFill>
+                  <a:srgbClr val="2875C3"/>
+                </a:solidFill>
+                <a:latin typeface="Tahoma"/>
+                <a:ea typeface="Tahoma"/>
+                <a:cs typeface="Tahoma"/>
+                <a:sym typeface="Tahoma"/>
+              </a:rPr>
+              <a:t>объект, описывающий состояние компонента.</a:t>
+            </a:r>
+          </a:p>
+          <a:p>
+            <a:pPr marL="139700" lvl="0" indent="0" algn="l" rtl="0">
+              <a:lnSpc>
+                <a:spcPct val="150000"/>
+              </a:lnSpc>
+              <a:spcBef>
+                <a:spcPts val="0"/>
+              </a:spcBef>
+              <a:spcAft>
+                <a:spcPts val="0"/>
+              </a:spcAft>
+              <a:buSzPts val="1400"/>
+              <a:buNone/>
+            </a:pPr>
+            <a:r>
+              <a:rPr lang="ru-RU" sz="1800" b="1" dirty="0">
+                <a:solidFill>
+                  <a:srgbClr val="2875C3"/>
+                </a:solidFill>
+                <a:latin typeface="Tahoma"/>
+                <a:ea typeface="Tahoma"/>
+                <a:cs typeface="Tahoma"/>
+                <a:sym typeface="Tahoma"/>
+              </a:rPr>
+              <a:t>Обновление состояния приводит к перезапуску функции </a:t>
+            </a:r>
+            <a:r>
+              <a:rPr lang="en-US" sz="1800" b="1" dirty="0">
+                <a:solidFill>
+                  <a:srgbClr val="2875C3"/>
+                </a:solidFill>
+                <a:latin typeface="Tahoma"/>
+                <a:ea typeface="Tahoma"/>
+                <a:cs typeface="Tahoma"/>
+                <a:sym typeface="Tahoma"/>
+              </a:rPr>
+              <a:t>render </a:t>
+            </a:r>
+            <a:r>
+              <a:rPr lang="ru-RU" sz="1800" b="1" dirty="0">
+                <a:solidFill>
+                  <a:srgbClr val="2875C3"/>
+                </a:solidFill>
+                <a:latin typeface="Tahoma"/>
+                <a:ea typeface="Tahoma"/>
+                <a:cs typeface="Tahoma"/>
+                <a:sym typeface="Tahoma"/>
+              </a:rPr>
+              <a:t>и перерисовке компонента на основе нового состояния.</a:t>
+            </a:r>
+            <a:endParaRPr lang="en-US" dirty="0">
+              <a:solidFill>
+                <a:srgbClr val="000000"/>
+              </a:solidFill>
+              <a:latin typeface="Tahoma"/>
+              <a:ea typeface="Tahoma"/>
+              <a:cs typeface="Tahoma"/>
+              <a:sym typeface="Tahoma"/>
+            </a:endParaRPr>
+          </a:p>
+        </p:txBody>
+      </p:sp>
+      <p:grpSp>
+        <p:nvGrpSpPr>
+          <p:cNvPr id="99" name="Google Shape;99;p23"/>
+          <p:cNvGrpSpPr/>
+          <p:nvPr/>
+        </p:nvGrpSpPr>
+        <p:grpSpPr>
+          <a:xfrm>
+            <a:off x="0" y="0"/>
+            <a:ext cx="9144000" cy="633000"/>
+            <a:chOff x="125" y="215925"/>
+            <a:chExt cx="9144000" cy="633000"/>
+          </a:xfrm>
+        </p:grpSpPr>
+        <p:sp>
+          <p:nvSpPr>
+            <p:cNvPr id="100" name="Google Shape;100;p23"/>
+            <p:cNvSpPr/>
+            <p:nvPr/>
+          </p:nvSpPr>
+          <p:spPr>
+            <a:xfrm>
+              <a:off x="125" y="215925"/>
+              <a:ext cx="9144000" cy="633000"/>
+            </a:xfrm>
+            <a:prstGeom prst="rect">
+              <a:avLst/>
+            </a:prstGeom>
+            <a:solidFill>
+              <a:srgbClr val="88AF43"/>
+            </a:solidFill>
+            <a:ln w="9525" cap="flat" cmpd="sng">
+              <a:solidFill>
+                <a:srgbClr val="88AF43"/>
+              </a:solidFill>
+              <a:prstDash val="solid"/>
+              <a:round/>
+              <a:headEnd type="none" w="sm" len="sm"/>
+              <a:tailEnd type="none" w="sm" len="sm"/>
+            </a:ln>
+          </p:spPr>
+          <p:txBody>
+            <a:bodyPr spcFirstLastPara="1" wrap="square" lIns="91425" tIns="91425" rIns="91425" bIns="91425" anchor="ctr" anchorCtr="0">
+              <a:noAutofit/>
+            </a:bodyPr>
+            <a:lstStyle/>
+            <a:p>
+              <a:pPr marL="0" marR="0" lvl="0" indent="0" algn="l" rtl="0">
+                <a:lnSpc>
+                  <a:spcPct val="100000"/>
+                </a:lnSpc>
+                <a:spcBef>
+                  <a:spcPts val="0"/>
+                </a:spcBef>
+                <a:spcAft>
+                  <a:spcPts val="0"/>
+                </a:spcAft>
+                <a:buClr>
+                  <a:srgbClr val="000000"/>
+                </a:buClr>
+                <a:buSzPts val="1400"/>
+                <a:buFont typeface="Arial"/>
+                <a:buNone/>
+              </a:pPr>
+              <a:endParaRPr sz="1400" b="0" i="0" u="none" strike="noStrike" cap="none">
+                <a:solidFill>
+                  <a:srgbClr val="000000"/>
+                </a:solidFill>
+                <a:latin typeface="Arial"/>
+                <a:ea typeface="Arial"/>
+                <a:cs typeface="Arial"/>
+                <a:sym typeface="Arial"/>
+              </a:endParaRPr>
+            </a:p>
+          </p:txBody>
+        </p:sp>
+        <p:sp>
+          <p:nvSpPr>
+            <p:cNvPr id="101" name="Google Shape;101;p23"/>
+            <p:cNvSpPr txBox="1"/>
+            <p:nvPr/>
+          </p:nvSpPr>
+          <p:spPr>
+            <a:xfrm>
+              <a:off x="181650" y="285825"/>
+              <a:ext cx="5786400" cy="493200"/>
+            </a:xfrm>
+            <a:prstGeom prst="rect">
+              <a:avLst/>
+            </a:prstGeom>
+            <a:noFill/>
+            <a:ln>
+              <a:noFill/>
+            </a:ln>
+          </p:spPr>
+          <p:txBody>
+            <a:bodyPr spcFirstLastPara="1" wrap="square" lIns="91425" tIns="91425" rIns="91425" bIns="91425" anchor="t" anchorCtr="0">
+              <a:noAutofit/>
+            </a:bodyPr>
+            <a:lstStyle/>
+            <a:p>
+              <a:pPr marL="0" marR="0" lvl="0" indent="0" algn="l" rtl="0">
+                <a:lnSpc>
+                  <a:spcPct val="100000"/>
+                </a:lnSpc>
+                <a:spcBef>
+                  <a:spcPts val="0"/>
+                </a:spcBef>
+                <a:spcAft>
+                  <a:spcPts val="0"/>
+                </a:spcAft>
+                <a:buClr>
+                  <a:srgbClr val="000000"/>
+                </a:buClr>
+                <a:buSzPts val="2000"/>
+                <a:buFont typeface="Arial"/>
+                <a:buNone/>
+              </a:pPr>
+              <a:r>
+                <a:rPr lang="en-US" sz="2000" b="0" i="0" u="none" strike="noStrike" cap="none" dirty="0">
+                  <a:solidFill>
+                    <a:srgbClr val="FFFFFF"/>
+                  </a:solidFill>
+                  <a:latin typeface="Tahoma"/>
+                  <a:ea typeface="Tahoma"/>
+                  <a:cs typeface="Tahoma"/>
+                  <a:sym typeface="Tahoma"/>
+                </a:rPr>
+                <a:t>State</a:t>
+              </a:r>
+              <a:endParaRPr sz="2000" b="0" i="0" u="none" strike="noStrike" cap="none" dirty="0">
+                <a:solidFill>
+                  <a:srgbClr val="FFFFFF"/>
+                </a:solidFill>
+                <a:latin typeface="Tahoma"/>
+                <a:ea typeface="Tahoma"/>
+                <a:cs typeface="Tahoma"/>
+                <a:sym typeface="Tahoma"/>
+              </a:endParaRPr>
+            </a:p>
+          </p:txBody>
+        </p:sp>
+      </p:grpSp>
+      <p:sp>
+        <p:nvSpPr>
+          <p:cNvPr id="102" name="Google Shape;102;p23"/>
+          <p:cNvSpPr/>
+          <p:nvPr/>
+        </p:nvSpPr>
+        <p:spPr>
+          <a:xfrm>
+            <a:off x="0" y="5038200"/>
+            <a:ext cx="9144000" cy="105300"/>
+          </a:xfrm>
+          <a:prstGeom prst="rect">
+            <a:avLst/>
+          </a:prstGeom>
+          <a:solidFill>
+            <a:srgbClr val="662483"/>
+          </a:solidFill>
+          <a:ln>
+            <a:noFill/>
+          </a:ln>
+        </p:spPr>
+        <p:txBody>
+          <a:bodyPr spcFirstLastPara="1" wrap="square" lIns="91425" tIns="91425" rIns="91425" bIns="91425" anchor="ctr" anchorCtr="0">
+            <a:noAutofit/>
+          </a:bodyPr>
+          <a:lstStyle/>
+          <a:p>
+            <a:pPr marL="0" marR="0" lvl="0" indent="0" algn="l" rtl="0">
+              <a:lnSpc>
+                <a:spcPct val="100000"/>
+              </a:lnSpc>
+              <a:spcBef>
+                <a:spcPts val="0"/>
+              </a:spcBef>
+              <a:spcAft>
+                <a:spcPts val="0"/>
+              </a:spcAft>
+              <a:buClr>
+                <a:srgbClr val="000000"/>
+              </a:buClr>
+              <a:buSzPts val="1400"/>
+              <a:buFont typeface="Arial"/>
+              <a:buNone/>
+            </a:pPr>
+            <a:endParaRPr sz="1400" b="0" i="0" u="none" strike="noStrike" cap="none">
+              <a:solidFill>
+                <a:srgbClr val="000000"/>
+              </a:solidFill>
+              <a:latin typeface="Arial"/>
+              <a:ea typeface="Arial"/>
+              <a:cs typeface="Arial"/>
+              <a:sym typeface="Arial"/>
+            </a:endParaRPr>
+          </a:p>
+        </p:txBody>
+      </p:sp>
+    </p:spTree>
+    <p:extLst>
+      <p:ext uri="{BB962C8B-B14F-4D97-AF65-F5344CB8AC3E}">
+        <p14:creationId xmlns:p14="http://schemas.microsoft.com/office/powerpoint/2010/main" val="3419825668"/>
+      </p:ext>
+    </p:extLst>
+  </p:cSld>
+  <p:clrMapOvr>
+    <a:masterClrMapping/>
+  </p:clrMapOvr>
+</p:sld>
+</file>
+
+<file path=ppt/slides/slide7.xml><?xml version="1.0" encoding="utf-8"?>
+<p:sld xmlns:a="http://schemas.openxmlformats.org/drawingml/2006/main" xmlns:r="http://schemas.openxmlformats.org/officeDocument/2006/relationships" xmlns:p="http://schemas.openxmlformats.org/presentationml/2006/main">
+  <p:cSld>
+    <p:spTree>
+      <p:nvGrpSpPr>
+        <p:cNvPr id="1" name="Shape 97"/>
+        <p:cNvGrpSpPr/>
+        <p:nvPr/>
+      </p:nvGrpSpPr>
+      <p:grpSpPr>
+        <a:xfrm>
+          <a:off x="0" y="0"/>
+          <a:ext cx="0" cy="0"/>
+          <a:chOff x="0" y="0"/>
+          <a:chExt cx="0" cy="0"/>
+        </a:xfrm>
+      </p:grpSpPr>
+      <p:sp>
+        <p:nvSpPr>
+          <p:cNvPr id="98" name="Google Shape;98;p23"/>
+          <p:cNvSpPr txBox="1">
+            <a:spLocks noGrp="1"/>
+          </p:cNvSpPr>
+          <p:nvPr>
+            <p:ph type="body" idx="1"/>
+          </p:nvPr>
+        </p:nvSpPr>
+        <p:spPr>
+          <a:xfrm>
+            <a:off x="294607" y="954334"/>
+            <a:ext cx="8609247" cy="1424431"/>
+          </a:xfrm>
+          <a:prstGeom prst="rect">
+            <a:avLst/>
+          </a:prstGeom>
+          <a:noFill/>
+          <a:ln>
+            <a:noFill/>
+          </a:ln>
+        </p:spPr>
+        <p:txBody>
+          <a:bodyPr spcFirstLastPara="1" wrap="square" lIns="91425" tIns="91425" rIns="91425" bIns="91425" anchor="t" anchorCtr="0">
+            <a:noAutofit/>
+          </a:bodyPr>
+          <a:lstStyle/>
+          <a:p>
+            <a:pPr marL="139700" lvl="0" indent="0" algn="l" rtl="0">
+              <a:lnSpc>
+                <a:spcPct val="150000"/>
+              </a:lnSpc>
+              <a:spcBef>
+                <a:spcPts val="0"/>
+              </a:spcBef>
+              <a:spcAft>
+                <a:spcPts val="0"/>
+              </a:spcAft>
+              <a:buSzPts val="1400"/>
+              <a:buNone/>
+            </a:pPr>
+            <a:r>
+              <a:rPr lang="ru-RU" b="1" dirty="0">
                 <a:solidFill>
                   <a:srgbClr val="2875C3"/>
                 </a:solidFill>
@@ -14761,7 +15533,7 @@
               <a:t>Обновление состояния происходит через метод </a:t>
             </a:r>
             <a:r>
-              <a:rPr lang="en-US" sz="1800" b="1" dirty="0" err="1">
+              <a:rPr lang="en-US" b="1" dirty="0" err="1">
                 <a:solidFill>
                   <a:srgbClr val="2875C3"/>
                 </a:solidFill>
@@ -14773,7 +15545,7 @@
               <a:t>setState</a:t>
             </a:r>
             <a:r>
-              <a:rPr lang="en-US" sz="1800" b="1" dirty="0">
+              <a:rPr lang="en-US" b="1" dirty="0">
                 <a:solidFill>
                   <a:srgbClr val="2875C3"/>
                 </a:solidFill>
@@ -14785,7 +15557,7 @@
               <a:t> </a:t>
             </a:r>
             <a:r>
-              <a:rPr lang="ru-RU" sz="1800" b="1" dirty="0">
+              <a:rPr lang="ru-RU" b="1" dirty="0">
                 <a:solidFill>
                   <a:srgbClr val="2875C3"/>
                 </a:solidFill>
@@ -14797,7 +15569,7 @@
               <a:t>получаемый из </a:t>
             </a:r>
             <a:r>
-              <a:rPr lang="en-US" sz="1800" b="1" dirty="0">
+              <a:rPr lang="en-US" b="1" dirty="0">
                 <a:solidFill>
                   <a:srgbClr val="2875C3"/>
                 </a:solidFill>
@@ -14809,7 +15581,7 @@
               <a:t>react </a:t>
             </a:r>
             <a:r>
-              <a:rPr lang="ru-RU" sz="1800" b="1" dirty="0">
+              <a:rPr lang="ru-RU" b="1" dirty="0">
                 <a:solidFill>
                   <a:srgbClr val="2875C3"/>
                 </a:solidFill>
@@ -14818,10 +15590,10 @@
                 <a:cs typeface="Tahoma"/>
                 <a:sym typeface="Tahoma"/>
               </a:rPr>
-              <a:t>от </a:t>
+              <a:t>при наследовании от </a:t>
             </a:r>
             <a:r>
-              <a:rPr lang="en-US" sz="1800" b="1" dirty="0">
+              <a:rPr lang="en-US" b="1" dirty="0">
                 <a:solidFill>
                   <a:srgbClr val="2875C3"/>
                 </a:solidFill>
@@ -14833,7 +15605,7 @@
               <a:t>Component </a:t>
             </a:r>
             <a:r>
-              <a:rPr lang="ru-RU" sz="1800" b="1" dirty="0">
+              <a:rPr lang="ru-RU" b="1" dirty="0">
                 <a:solidFill>
                   <a:srgbClr val="2875C3"/>
                 </a:solidFill>
@@ -14845,7 +15617,7 @@
               <a:t>или </a:t>
             </a:r>
             <a:r>
-              <a:rPr lang="en-US" sz="1800" b="1" dirty="0" err="1">
+              <a:rPr lang="en-US" b="1" dirty="0" err="1">
                 <a:solidFill>
                   <a:srgbClr val="2875C3"/>
                 </a:solidFill>
@@ -14857,7 +15629,7 @@
               <a:t>PureComponent</a:t>
             </a:r>
             <a:r>
-              <a:rPr lang="en-US" sz="1800" b="1" dirty="0">
+              <a:rPr lang="en-US" b="1" dirty="0">
                 <a:solidFill>
                   <a:srgbClr val="2875C3"/>
                 </a:solidFill>
@@ -15079,6 +15851,111 @@
           </a:p>
         </p:txBody>
       </p:sp>
+      <p:pic>
+        <p:nvPicPr>
+          <p:cNvPr id="3" name="Рисунок 2">
+            <a:extLst>
+              <a:ext uri="{FF2B5EF4-FFF2-40B4-BE49-F238E27FC236}">
+                <a16:creationId xmlns:a16="http://schemas.microsoft.com/office/drawing/2014/main" id="{8831EB37-D0ED-994D-BFA3-1A88794AB1AD}"/>
+              </a:ext>
+            </a:extLst>
+          </p:cNvPr>
+          <p:cNvPicPr>
+            <a:picLocks noChangeAspect="1"/>
+          </p:cNvPicPr>
+          <p:nvPr/>
+        </p:nvPicPr>
+        <p:blipFill rotWithShape="1">
+          <a:blip r:embed="rId3"/>
+          <a:srcRect l="4420" t="41998" r="3189"/>
+          <a:stretch/>
+        </p:blipFill>
+        <p:spPr>
+          <a:xfrm>
+            <a:off x="294607" y="2112420"/>
+            <a:ext cx="8448262" cy="955298"/>
+          </a:xfrm>
+          <a:prstGeom prst="rect">
+            <a:avLst/>
+          </a:prstGeom>
+        </p:spPr>
+      </p:pic>
+      <p:sp>
+        <p:nvSpPr>
+          <p:cNvPr id="4" name="TextBox 3">
+            <a:extLst>
+              <a:ext uri="{FF2B5EF4-FFF2-40B4-BE49-F238E27FC236}">
+                <a16:creationId xmlns:a16="http://schemas.microsoft.com/office/drawing/2014/main" id="{8C19FA29-79A8-A949-9ABC-FFE87456F569}"/>
+              </a:ext>
+            </a:extLst>
+          </p:cNvPr>
+          <p:cNvSpPr txBox="1"/>
+          <p:nvPr/>
+        </p:nvSpPr>
+        <p:spPr>
+          <a:xfrm>
+            <a:off x="404192" y="3067719"/>
+            <a:ext cx="7136296" cy="1169551"/>
+          </a:xfrm>
+          <a:prstGeom prst="rect">
+            <a:avLst/>
+          </a:prstGeom>
+          <a:noFill/>
+        </p:spPr>
+        <p:txBody>
+          <a:bodyPr wrap="square" rtlCol="0">
+            <a:spAutoFit/>
+          </a:bodyPr>
+          <a:lstStyle/>
+          <a:p>
+            <a:r>
+              <a:rPr lang="ru-RU" dirty="0"/>
+              <a:t>1 аргумент – должен быть либо объектом полностью или частично повторяющем перечень ключей объекта состояния либо функцией, принимающей </a:t>
+            </a:r>
+            <a:r>
+              <a:rPr lang="en-US" dirty="0"/>
+              <a:t>state </a:t>
+            </a:r>
+            <a:r>
+              <a:rPr lang="ru-RU" dirty="0"/>
+              <a:t> и </a:t>
+            </a:r>
+            <a:r>
+              <a:rPr lang="en-US" dirty="0"/>
+              <a:t>props (</a:t>
+            </a:r>
+            <a:r>
+              <a:rPr lang="ru-RU" dirty="0"/>
+              <a:t>актуальные на момент вызова</a:t>
+            </a:r>
+            <a:r>
+              <a:rPr lang="en-US" dirty="0"/>
+              <a:t>) </a:t>
+            </a:r>
+            <a:r>
+              <a:rPr lang="ru-RU" dirty="0"/>
+              <a:t>либо </a:t>
+            </a:r>
+            <a:r>
+              <a:rPr lang="en-US" dirty="0"/>
+              <a:t>null.</a:t>
+            </a:r>
+          </a:p>
+          <a:p>
+            <a:endParaRPr lang="en-US" dirty="0"/>
+          </a:p>
+          <a:p>
+            <a:r>
+              <a:rPr lang="en-US" dirty="0"/>
+              <a:t>2 </a:t>
+            </a:r>
+            <a:r>
+              <a:rPr lang="ru-RU" dirty="0"/>
+              <a:t>аргумент – функция обратного вызова</a:t>
+            </a:r>
+          </a:p>
+        </p:txBody>
+      </p:sp>
     </p:spTree>
     <p:extLst>
       <p:ext uri="{BB962C8B-B14F-4D97-AF65-F5344CB8AC3E}">
@@ -15092,7 +15969,7 @@
 </p:sld>
 </file>
 
-<file path=ppt/slides/slide7.xml><?xml version="1.0" encoding="utf-8"?>
+<file path=ppt/slides/slide8.xml><?xml version="1.0" encoding="utf-8"?>
 <p:sld xmlns:a="http://schemas.openxmlformats.org/drawingml/2006/main" xmlns:r="http://schemas.openxmlformats.org/officeDocument/2006/relationships" xmlns:p="http://schemas.openxmlformats.org/presentationml/2006/main">
   <p:cSld>
     <p:spTree>
@@ -16644,7 +17521,7 @@
 </p:sld>
 </file>
 
-<file path=ppt/slides/slide8.xml><?xml version="1.0" encoding="utf-8"?>
+<file path=ppt/slides/slide9.xml><?xml version="1.0" encoding="utf-8"?>
 <p:sld xmlns:a="http://schemas.openxmlformats.org/drawingml/2006/main" xmlns:r="http://schemas.openxmlformats.org/officeDocument/2006/relationships" xmlns:p="http://schemas.openxmlformats.org/presentationml/2006/main">
   <p:cSld>
     <p:spTree>
@@ -17377,334 +18254,6 @@
         <p14:creationId xmlns:p14="http://schemas.microsoft.com/office/powerpoint/2010/main" val="3624310226"/>
       </p:ext>
     </p:extLst>
-  </p:cSld>
-  <p:clrMapOvr>
-    <a:masterClrMapping/>
-  </p:clrMapOvr>
-</p:sld>
-</file>
-
-<file path=ppt/slides/slide9.xml><?xml version="1.0" encoding="utf-8"?>
-<p:sld xmlns:a="http://schemas.openxmlformats.org/drawingml/2006/main" xmlns:r="http://schemas.openxmlformats.org/officeDocument/2006/relationships" xmlns:p="http://schemas.openxmlformats.org/presentationml/2006/main">
-  <p:cSld>
-    <p:spTree>
-      <p:nvGrpSpPr>
-        <p:cNvPr id="1" name="Shape 205"/>
-        <p:cNvGrpSpPr/>
-        <p:nvPr/>
-      </p:nvGrpSpPr>
-      <p:grpSpPr>
-        <a:xfrm>
-          <a:off x="0" y="0"/>
-          <a:ext cx="0" cy="0"/>
-          <a:chOff x="0" y="0"/>
-          <a:chExt cx="0" cy="0"/>
-        </a:xfrm>
-      </p:grpSpPr>
-      <p:sp>
-        <p:nvSpPr>
-          <p:cNvPr id="206" name="Google Shape;206;p34"/>
-          <p:cNvSpPr txBox="1">
-            <a:spLocks noGrp="1"/>
-          </p:cNvSpPr>
-          <p:nvPr>
-            <p:ph type="ctrTitle"/>
-          </p:nvPr>
-        </p:nvSpPr>
-        <p:spPr>
-          <a:xfrm>
-            <a:off x="311708" y="744575"/>
-            <a:ext cx="8520600" cy="2052600"/>
-          </a:xfrm>
-          <a:prstGeom prst="rect">
-            <a:avLst/>
-          </a:prstGeom>
-          <a:noFill/>
-          <a:ln>
-            <a:noFill/>
-          </a:ln>
-        </p:spPr>
-        <p:txBody>
-          <a:bodyPr spcFirstLastPara="1" wrap="square" lIns="91425" tIns="91425" rIns="91425" bIns="91425" anchor="b" anchorCtr="0">
-            <a:noAutofit/>
-          </a:bodyPr>
-          <a:lstStyle/>
-          <a:p>
-            <a:pPr marL="0" lvl="0" indent="0" algn="ctr" rtl="0">
-              <a:lnSpc>
-                <a:spcPct val="100000"/>
-              </a:lnSpc>
-              <a:spcBef>
-                <a:spcPts val="0"/>
-              </a:spcBef>
-              <a:spcAft>
-                <a:spcPts val="0"/>
-              </a:spcAft>
-              <a:buSzPts val="5200"/>
-              <a:buNone/>
-            </a:pPr>
-            <a:r>
-              <a:rPr lang="ru">
-                <a:latin typeface="Tahoma"/>
-                <a:ea typeface="Tahoma"/>
-                <a:cs typeface="Tahoma"/>
-                <a:sym typeface="Tahoma"/>
-              </a:rPr>
-              <a:t>Вопросы?</a:t>
-            </a:r>
-            <a:endParaRPr/>
-          </a:p>
-        </p:txBody>
-      </p:sp>
-      <p:sp>
-        <p:nvSpPr>
-          <p:cNvPr id="207" name="Google Shape;207;p34"/>
-          <p:cNvSpPr txBox="1">
-            <a:spLocks noGrp="1"/>
-          </p:cNvSpPr>
-          <p:nvPr>
-            <p:ph type="subTitle" idx="1"/>
-          </p:nvPr>
-        </p:nvSpPr>
-        <p:spPr>
-          <a:xfrm>
-            <a:off x="311700" y="2834125"/>
-            <a:ext cx="8520600" cy="792600"/>
-          </a:xfrm>
-          <a:prstGeom prst="rect">
-            <a:avLst/>
-          </a:prstGeom>
-          <a:noFill/>
-          <a:ln>
-            <a:noFill/>
-          </a:ln>
-        </p:spPr>
-        <p:txBody>
-          <a:bodyPr spcFirstLastPara="1" wrap="square" lIns="91425" tIns="91425" rIns="91425" bIns="91425" anchor="t" anchorCtr="0">
-            <a:noAutofit/>
-          </a:bodyPr>
-          <a:lstStyle/>
-          <a:p>
-            <a:pPr marL="457200" lvl="0" indent="-342900" algn="ctr" rtl="0">
-              <a:lnSpc>
-                <a:spcPct val="100000"/>
-              </a:lnSpc>
-              <a:spcBef>
-                <a:spcPts val="0"/>
-              </a:spcBef>
-              <a:spcAft>
-                <a:spcPts val="0"/>
-              </a:spcAft>
-              <a:buSzPts val="2800"/>
-              <a:buNone/>
-            </a:pPr>
-            <a:r>
-              <a:rPr lang="ru" u="sng">
-                <a:solidFill>
-                  <a:schemeClr val="hlink"/>
-                </a:solidFill>
-                <a:hlinkClick r:id="rId3"/>
-              </a:rPr>
-              <a:t>@primakov_pro</a:t>
-            </a:r>
-            <a:endParaRPr/>
-          </a:p>
-        </p:txBody>
-      </p:sp>
-      <p:grpSp>
-        <p:nvGrpSpPr>
-          <p:cNvPr id="208" name="Google Shape;208;p34"/>
-          <p:cNvGrpSpPr/>
-          <p:nvPr/>
-        </p:nvGrpSpPr>
-        <p:grpSpPr>
-          <a:xfrm>
-            <a:off x="0" y="0"/>
-            <a:ext cx="9144000" cy="633000"/>
-            <a:chOff x="125" y="215925"/>
-            <a:chExt cx="9144000" cy="633000"/>
-          </a:xfrm>
-        </p:grpSpPr>
-        <p:sp>
-          <p:nvSpPr>
-            <p:cNvPr id="209" name="Google Shape;209;p34"/>
-            <p:cNvSpPr/>
-            <p:nvPr/>
-          </p:nvSpPr>
-          <p:spPr>
-            <a:xfrm>
-              <a:off x="125" y="215925"/>
-              <a:ext cx="9144000" cy="633000"/>
-            </a:xfrm>
-            <a:prstGeom prst="rect">
-              <a:avLst/>
-            </a:prstGeom>
-            <a:solidFill>
-              <a:srgbClr val="88AF43"/>
-            </a:solidFill>
-            <a:ln w="9525" cap="flat" cmpd="sng">
-              <a:solidFill>
-                <a:srgbClr val="88AF43"/>
-              </a:solidFill>
-              <a:prstDash val="solid"/>
-              <a:round/>
-              <a:headEnd type="none" w="sm" len="sm"/>
-              <a:tailEnd type="none" w="sm" len="sm"/>
-            </a:ln>
-          </p:spPr>
-          <p:txBody>
-            <a:bodyPr spcFirstLastPara="1" wrap="square" lIns="91425" tIns="91425" rIns="91425" bIns="91425" anchor="ctr" anchorCtr="0">
-              <a:noAutofit/>
-            </a:bodyPr>
-            <a:lstStyle/>
-            <a:p>
-              <a:pPr marL="0" marR="0" lvl="0" indent="0" algn="l" rtl="0">
-                <a:lnSpc>
-                  <a:spcPct val="100000"/>
-                </a:lnSpc>
-                <a:spcBef>
-                  <a:spcPts val="0"/>
-                </a:spcBef>
-                <a:spcAft>
-                  <a:spcPts val="0"/>
-                </a:spcAft>
-                <a:buClr>
-                  <a:srgbClr val="000000"/>
-                </a:buClr>
-                <a:buSzPts val="1400"/>
-                <a:buFont typeface="Arial"/>
-                <a:buNone/>
-              </a:pPr>
-              <a:endParaRPr sz="1400" b="0" i="0" u="none" strike="noStrike" cap="none">
-                <a:solidFill>
-                  <a:srgbClr val="000000"/>
-                </a:solidFill>
-                <a:latin typeface="Arial"/>
-                <a:ea typeface="Arial"/>
-                <a:cs typeface="Arial"/>
-                <a:sym typeface="Arial"/>
-              </a:endParaRPr>
-            </a:p>
-          </p:txBody>
-        </p:sp>
-        <p:sp>
-          <p:nvSpPr>
-            <p:cNvPr id="210" name="Google Shape;210;p34"/>
-            <p:cNvSpPr txBox="1"/>
-            <p:nvPr/>
-          </p:nvSpPr>
-          <p:spPr>
-            <a:xfrm>
-              <a:off x="181650" y="285825"/>
-              <a:ext cx="5786400" cy="493200"/>
-            </a:xfrm>
-            <a:prstGeom prst="rect">
-              <a:avLst/>
-            </a:prstGeom>
-            <a:noFill/>
-            <a:ln>
-              <a:noFill/>
-            </a:ln>
-          </p:spPr>
-          <p:txBody>
-            <a:bodyPr spcFirstLastPara="1" wrap="square" lIns="91425" tIns="91425" rIns="91425" bIns="91425" anchor="t" anchorCtr="0">
-              <a:noAutofit/>
-            </a:bodyPr>
-            <a:lstStyle/>
-            <a:p>
-              <a:pPr marL="0" marR="0" lvl="0" indent="0" algn="l" rtl="0">
-                <a:lnSpc>
-                  <a:spcPct val="100000"/>
-                </a:lnSpc>
-                <a:spcBef>
-                  <a:spcPts val="0"/>
-                </a:spcBef>
-                <a:spcAft>
-                  <a:spcPts val="0"/>
-                </a:spcAft>
-                <a:buClr>
-                  <a:srgbClr val="000000"/>
-                </a:buClr>
-                <a:buSzPts val="2000"/>
-                <a:buFont typeface="Arial"/>
-                <a:buNone/>
-              </a:pPr>
-              <a:endParaRPr sz="2000" b="0" i="0" u="none" strike="noStrike" cap="none">
-                <a:solidFill>
-                  <a:srgbClr val="FFFFFF"/>
-                </a:solidFill>
-                <a:latin typeface="Tahoma"/>
-                <a:ea typeface="Tahoma"/>
-                <a:cs typeface="Tahoma"/>
-                <a:sym typeface="Tahoma"/>
-              </a:endParaRPr>
-            </a:p>
-          </p:txBody>
-        </p:sp>
-      </p:grpSp>
-      <p:sp>
-        <p:nvSpPr>
-          <p:cNvPr id="211" name="Google Shape;211;p34"/>
-          <p:cNvSpPr/>
-          <p:nvPr/>
-        </p:nvSpPr>
-        <p:spPr>
-          <a:xfrm>
-            <a:off x="0" y="5038200"/>
-            <a:ext cx="9144000" cy="105300"/>
-          </a:xfrm>
-          <a:prstGeom prst="rect">
-            <a:avLst/>
-          </a:prstGeom>
-          <a:solidFill>
-            <a:srgbClr val="662483"/>
-          </a:solidFill>
-          <a:ln w="9525" cap="flat" cmpd="sng">
-            <a:solidFill>
-              <a:srgbClr val="662483"/>
-            </a:solidFill>
-            <a:prstDash val="solid"/>
-            <a:round/>
-            <a:headEnd type="none" w="sm" len="sm"/>
-            <a:tailEnd type="none" w="sm" len="sm"/>
-          </a:ln>
-        </p:spPr>
-        <p:txBody>
-          <a:bodyPr spcFirstLastPara="1" wrap="square" lIns="91425" tIns="91425" rIns="91425" bIns="91425" anchor="ctr" anchorCtr="0">
-            <a:noAutofit/>
-          </a:bodyPr>
-          <a:lstStyle/>
-          <a:p>
-            <a:pPr marL="0" marR="0" lvl="0" indent="0" algn="l" rtl="0">
-              <a:lnSpc>
-                <a:spcPct val="100000"/>
-              </a:lnSpc>
-              <a:spcBef>
-                <a:spcPts val="0"/>
-              </a:spcBef>
-              <a:spcAft>
-                <a:spcPts val="0"/>
-              </a:spcAft>
-              <a:buClr>
-                <a:srgbClr val="000000"/>
-              </a:buClr>
-              <a:buSzPts val="1400"/>
-              <a:buFont typeface="Arial"/>
-              <a:buNone/>
-            </a:pPr>
-            <a:endParaRPr sz="1400" b="0" i="0" u="none" strike="noStrike" cap="none">
-              <a:solidFill>
-                <a:srgbClr val="000000"/>
-              </a:solidFill>
-              <a:latin typeface="Arial"/>
-              <a:ea typeface="Arial"/>
-              <a:cs typeface="Arial"/>
-              <a:sym typeface="Arial"/>
-            </a:endParaRPr>
-          </a:p>
-        </p:txBody>
-      </p:sp>
-    </p:spTree>
   </p:cSld>
   <p:clrMapOvr>
     <a:masterClrMapping/>

--- a/2019/II.  React/2.3 Props, State/Презентация 2.3 Props, State.pptx
+++ b/2019/II.  React/2.3 Props, State/Презентация 2.3 Props, State.pptx
@@ -13670,7 +13670,7 @@
               <a:buNone/>
             </a:pPr>
             <a:r>
-              <a:rPr lang="ru-RU" sz="1200" b="0" i="0" u="none" strike="noStrike" cap="none" dirty="0">
+              <a:rPr lang="en-US" sz="1200" b="0" i="0" u="none" strike="noStrike" cap="none" dirty="0">
                 <a:solidFill>
                   <a:srgbClr val="FFFFFF"/>
                 </a:solidFill>
@@ -13679,19 +13679,7 @@
                 <a:cs typeface="Tahoma"/>
                 <a:sym typeface="Tahoma"/>
               </a:rPr>
-              <a:t>Структура, </a:t>
-            </a:r>
-            <a:r>
-              <a:rPr lang="en-US" sz="1200" b="0" i="0" u="none" strike="noStrike" cap="none" dirty="0">
-                <a:solidFill>
-                  <a:srgbClr val="FFFFFF"/>
-                </a:solidFill>
-                <a:latin typeface="Tahoma"/>
-                <a:ea typeface="Tahoma"/>
-                <a:cs typeface="Tahoma"/>
-                <a:sym typeface="Tahoma"/>
-              </a:rPr>
-              <a:t>props</a:t>
+              <a:t>Props</a:t>
             </a:r>
             <a:r>
               <a:rPr lang="ru-RU" sz="1200" b="0" i="0" u="none" strike="noStrike" cap="none" dirty="0">
